--- a/Win10_install_combinato.pptx
+++ b/Win10_install_combinato.pptx
@@ -11,11 +11,12 @@
     <p:sldId id="269" r:id="rId5"/>
     <p:sldId id="270" r:id="rId6"/>
     <p:sldId id="271" r:id="rId7"/>
-    <p:sldId id="272" r:id="rId8"/>
-    <p:sldId id="273" r:id="rId9"/>
-    <p:sldId id="266" r:id="rId10"/>
-    <p:sldId id="274" r:id="rId11"/>
-    <p:sldId id="275" r:id="rId12"/>
+    <p:sldId id="276" r:id="rId8"/>
+    <p:sldId id="272" r:id="rId9"/>
+    <p:sldId id="273" r:id="rId10"/>
+    <p:sldId id="266" r:id="rId11"/>
+    <p:sldId id="274" r:id="rId12"/>
+    <p:sldId id="275" r:id="rId13"/>
   </p:sldIdLst>
   <p:sldSz cx="12192000" cy="6858000"/>
   <p:notesSz cx="6858000" cy="9144000"/>
@@ -125,7 +126,7 @@
 <file path=ppt/revisionInfo.xml><?xml version="1.0" encoding="utf-8"?>
 <p1510:revInfo xmlns:a="http://schemas.openxmlformats.org/drawingml/2006/main" xmlns:r="http://schemas.openxmlformats.org/officeDocument/2006/relationships" xmlns:p1510="http://schemas.microsoft.com/office/powerpoint/2015/10/main">
   <p1510:revLst>
-    <p1510:client id="{D52D8EC0-1EFB-49EE-A7FD-D823B94A4F10}" v="17" dt="2022-07-05T14:29:24.643"/>
+    <p1510:client id="{D52D8EC0-1EFB-49EE-A7FD-D823B94A4F10}" v="42" dt="2022-07-12T20:38:06.097"/>
   </p1510:revLst>
 </p1510:revInfo>
 </file>
@@ -213,7 +214,7 @@
   <pc:docChgLst>
     <pc:chgData name="Liang, Mingli" userId="aa9d3a45-4ecd-477e-91f3-db58cc3a88ab" providerId="ADAL" clId="{D52D8EC0-1EFB-49EE-A7FD-D823B94A4F10}"/>
     <pc:docChg chg="undo custSel addSld delSld modSld">
-      <pc:chgData name="Liang, Mingli" userId="aa9d3a45-4ecd-477e-91f3-db58cc3a88ab" providerId="ADAL" clId="{D52D8EC0-1EFB-49EE-A7FD-D823B94A4F10}" dt="2022-07-05T14:30:35.420" v="1136" actId="207"/>
+      <pc:chgData name="Liang, Mingli" userId="aa9d3a45-4ecd-477e-91f3-db58cc3a88ab" providerId="ADAL" clId="{D52D8EC0-1EFB-49EE-A7FD-D823B94A4F10}" dt="2022-07-12T20:38:52.859" v="1774" actId="20577"/>
       <pc:docMkLst>
         <pc:docMk/>
       </pc:docMkLst>
@@ -482,8 +483,8 @@
           </ac:picMkLst>
         </pc:picChg>
       </pc:sldChg>
-      <pc:sldChg chg="addSp modSp new mod">
-        <pc:chgData name="Liang, Mingli" userId="aa9d3a45-4ecd-477e-91f3-db58cc3a88ab" providerId="ADAL" clId="{D52D8EC0-1EFB-49EE-A7FD-D823B94A4F10}" dt="2022-07-05T14:12:50.278" v="338" actId="1076"/>
+      <pc:sldChg chg="addSp delSp modSp new mod">
+        <pc:chgData name="Liang, Mingli" userId="aa9d3a45-4ecd-477e-91f3-db58cc3a88ab" providerId="ADAL" clId="{D52D8EC0-1EFB-49EE-A7FD-D823B94A4F10}" dt="2022-07-05T15:12:38.523" v="1160"/>
         <pc:sldMkLst>
           <pc:docMk/>
           <pc:sldMk cId="1246683931" sldId="271"/>
@@ -497,11 +498,59 @@
           </ac:spMkLst>
         </pc:spChg>
         <pc:spChg chg="mod">
-          <ac:chgData name="Liang, Mingli" userId="aa9d3a45-4ecd-477e-91f3-db58cc3a88ab" providerId="ADAL" clId="{D52D8EC0-1EFB-49EE-A7FD-D823B94A4F10}" dt="2022-07-05T14:12:48.518" v="337" actId="5793"/>
+          <ac:chgData name="Liang, Mingli" userId="aa9d3a45-4ecd-477e-91f3-db58cc3a88ab" providerId="ADAL" clId="{D52D8EC0-1EFB-49EE-A7FD-D823B94A4F10}" dt="2022-07-05T15:12:38.523" v="1160"/>
           <ac:spMkLst>
             <pc:docMk/>
             <pc:sldMk cId="1246683931" sldId="271"/>
             <ac:spMk id="3" creationId="{F2D82679-C64E-B9CB-1380-A945D271ACA8}"/>
+          </ac:spMkLst>
+        </pc:spChg>
+        <pc:spChg chg="add del">
+          <ac:chgData name="Liang, Mingli" userId="aa9d3a45-4ecd-477e-91f3-db58cc3a88ab" providerId="ADAL" clId="{D52D8EC0-1EFB-49EE-A7FD-D823B94A4F10}" dt="2022-07-05T15:12:03.431" v="1141"/>
+          <ac:spMkLst>
+            <pc:docMk/>
+            <pc:sldMk cId="1246683931" sldId="271"/>
+            <ac:spMk id="4" creationId="{ED515861-1618-D3B1-5CCC-6D3D1AF3C620}"/>
+          </ac:spMkLst>
+        </pc:spChg>
+        <pc:spChg chg="add del">
+          <ac:chgData name="Liang, Mingli" userId="aa9d3a45-4ecd-477e-91f3-db58cc3a88ab" providerId="ADAL" clId="{D52D8EC0-1EFB-49EE-A7FD-D823B94A4F10}" dt="2022-07-05T15:12:04.522" v="1143"/>
+          <ac:spMkLst>
+            <pc:docMk/>
+            <pc:sldMk cId="1246683931" sldId="271"/>
+            <ac:spMk id="6" creationId="{FFD787FF-7745-4D83-9A22-9EFD6AD20750}"/>
+          </ac:spMkLst>
+        </pc:spChg>
+        <pc:spChg chg="add del">
+          <ac:chgData name="Liang, Mingli" userId="aa9d3a45-4ecd-477e-91f3-db58cc3a88ab" providerId="ADAL" clId="{D52D8EC0-1EFB-49EE-A7FD-D823B94A4F10}" dt="2022-07-05T15:12:06.582" v="1145"/>
+          <ac:spMkLst>
+            <pc:docMk/>
+            <pc:sldMk cId="1246683931" sldId="271"/>
+            <ac:spMk id="7" creationId="{E7C10C4B-B374-5BCC-FF30-B7D6E6582E3D}"/>
+          </ac:spMkLst>
+        </pc:spChg>
+        <pc:spChg chg="add mod">
+          <ac:chgData name="Liang, Mingli" userId="aa9d3a45-4ecd-477e-91f3-db58cc3a88ab" providerId="ADAL" clId="{D52D8EC0-1EFB-49EE-A7FD-D823B94A4F10}" dt="2022-07-05T15:12:19.435" v="1153"/>
+          <ac:spMkLst>
+            <pc:docMk/>
+            <pc:sldMk cId="1246683931" sldId="271"/>
+            <ac:spMk id="8" creationId="{7288D4E9-E844-E6D8-605A-45F12DEE8842}"/>
+          </ac:spMkLst>
+        </pc:spChg>
+        <pc:spChg chg="add del">
+          <ac:chgData name="Liang, Mingli" userId="aa9d3a45-4ecd-477e-91f3-db58cc3a88ab" providerId="ADAL" clId="{D52D8EC0-1EFB-49EE-A7FD-D823B94A4F10}" dt="2022-07-05T15:12:25.585" v="1155"/>
+          <ac:spMkLst>
+            <pc:docMk/>
+            <pc:sldMk cId="1246683931" sldId="271"/>
+            <ac:spMk id="9" creationId="{2D206733-A63D-1895-195D-34654341E462}"/>
+          </ac:spMkLst>
+        </pc:spChg>
+        <pc:spChg chg="add del">
+          <ac:chgData name="Liang, Mingli" userId="aa9d3a45-4ecd-477e-91f3-db58cc3a88ab" providerId="ADAL" clId="{D52D8EC0-1EFB-49EE-A7FD-D823B94A4F10}" dt="2022-07-05T15:12:30.424" v="1157"/>
+          <ac:spMkLst>
+            <pc:docMk/>
+            <pc:sldMk cId="1246683931" sldId="271"/>
+            <ac:spMk id="10" creationId="{5DFF2C9B-7471-FC71-4AC1-02B0F6ECB0A8}"/>
           </ac:spMkLst>
         </pc:spChg>
         <pc:picChg chg="add mod">
@@ -599,8 +648,8 @@
           </ac:picMkLst>
         </pc:picChg>
       </pc:sldChg>
-      <pc:sldChg chg="addSp modSp new mod">
-        <pc:chgData name="Liang, Mingli" userId="aa9d3a45-4ecd-477e-91f3-db58cc3a88ab" providerId="ADAL" clId="{D52D8EC0-1EFB-49EE-A7FD-D823B94A4F10}" dt="2022-07-05T14:29:22.413" v="1093" actId="14100"/>
+      <pc:sldChg chg="addSp delSp modSp new mod">
+        <pc:chgData name="Liang, Mingli" userId="aa9d3a45-4ecd-477e-91f3-db58cc3a88ab" providerId="ADAL" clId="{D52D8EC0-1EFB-49EE-A7FD-D823B94A4F10}" dt="2022-07-12T20:38:06.097" v="1773" actId="20578"/>
         <pc:sldMkLst>
           <pc:docMk/>
           <pc:sldMk cId="1789107118" sldId="274"/>
@@ -614,23 +663,63 @@
           </ac:spMkLst>
         </pc:spChg>
         <pc:spChg chg="mod">
-          <ac:chgData name="Liang, Mingli" userId="aa9d3a45-4ecd-477e-91f3-db58cc3a88ab" providerId="ADAL" clId="{D52D8EC0-1EFB-49EE-A7FD-D823B94A4F10}" dt="2022-07-05T14:29:22.413" v="1093" actId="14100"/>
+          <ac:chgData name="Liang, Mingli" userId="aa9d3a45-4ecd-477e-91f3-db58cc3a88ab" providerId="ADAL" clId="{D52D8EC0-1EFB-49EE-A7FD-D823B94A4F10}" dt="2022-07-12T20:38:06.097" v="1773" actId="20578"/>
           <ac:spMkLst>
             <pc:docMk/>
             <pc:sldMk cId="1789107118" sldId="274"/>
             <ac:spMk id="3" creationId="{346693F9-D529-FCD0-5518-50AF2CE727C3}"/>
           </ac:spMkLst>
         </pc:spChg>
+        <pc:spChg chg="add del">
+          <ac:chgData name="Liang, Mingli" userId="aa9d3a45-4ecd-477e-91f3-db58cc3a88ab" providerId="ADAL" clId="{D52D8EC0-1EFB-49EE-A7FD-D823B94A4F10}" dt="2022-07-06T01:32:51.587" v="1517"/>
+          <ac:spMkLst>
+            <pc:docMk/>
+            <pc:sldMk cId="1789107118" sldId="274"/>
+            <ac:spMk id="4" creationId="{57DFDC83-BC69-89F1-5A47-CB5B2EB20405}"/>
+          </ac:spMkLst>
+        </pc:spChg>
         <pc:spChg chg="add mod">
-          <ac:chgData name="Liang, Mingli" userId="aa9d3a45-4ecd-477e-91f3-db58cc3a88ab" providerId="ADAL" clId="{D52D8EC0-1EFB-49EE-A7FD-D823B94A4F10}" dt="2022-07-05T14:27:09.839" v="1026" actId="207"/>
+          <ac:chgData name="Liang, Mingli" userId="aa9d3a45-4ecd-477e-91f3-db58cc3a88ab" providerId="ADAL" clId="{D52D8EC0-1EFB-49EE-A7FD-D823B94A4F10}" dt="2022-07-06T14:30:13.021" v="1531" actId="164"/>
           <ac:spMkLst>
             <pc:docMk/>
             <pc:sldMk cId="1789107118" sldId="274"/>
             <ac:spMk id="6" creationId="{4074FD1F-42C9-1CC8-FF18-9A3521851B27}"/>
           </ac:spMkLst>
         </pc:spChg>
+        <pc:spChg chg="add del">
+          <ac:chgData name="Liang, Mingli" userId="aa9d3a45-4ecd-477e-91f3-db58cc3a88ab" providerId="ADAL" clId="{D52D8EC0-1EFB-49EE-A7FD-D823B94A4F10}" dt="2022-07-06T01:32:56.947" v="1519"/>
+          <ac:spMkLst>
+            <pc:docMk/>
+            <pc:sldMk cId="1789107118" sldId="274"/>
+            <ac:spMk id="7" creationId="{44052D67-2B1F-41C6-EAFD-6847C6EDEEA3}"/>
+          </ac:spMkLst>
+        </pc:spChg>
+        <pc:spChg chg="add del">
+          <ac:chgData name="Liang, Mingli" userId="aa9d3a45-4ecd-477e-91f3-db58cc3a88ab" providerId="ADAL" clId="{D52D8EC0-1EFB-49EE-A7FD-D823B94A4F10}" dt="2022-07-06T01:33:07.478" v="1524"/>
+          <ac:spMkLst>
+            <pc:docMk/>
+            <pc:sldMk cId="1789107118" sldId="274"/>
+            <ac:spMk id="9" creationId="{8650B31B-56DC-14EF-F6D6-4A1060B32B41}"/>
+          </ac:spMkLst>
+        </pc:spChg>
+        <pc:spChg chg="add del">
+          <ac:chgData name="Liang, Mingli" userId="aa9d3a45-4ecd-477e-91f3-db58cc3a88ab" providerId="ADAL" clId="{D52D8EC0-1EFB-49EE-A7FD-D823B94A4F10}" dt="2022-07-06T23:47:19.281" v="1579"/>
+          <ac:spMkLst>
+            <pc:docMk/>
+            <pc:sldMk cId="1789107118" sldId="274"/>
+            <ac:spMk id="14" creationId="{FCD41E60-3632-1195-7741-081B55C07E41}"/>
+          </ac:spMkLst>
+        </pc:spChg>
+        <pc:grpChg chg="add mod">
+          <ac:chgData name="Liang, Mingli" userId="aa9d3a45-4ecd-477e-91f3-db58cc3a88ab" providerId="ADAL" clId="{D52D8EC0-1EFB-49EE-A7FD-D823B94A4F10}" dt="2022-07-06T14:57:59.431" v="1535" actId="1076"/>
+          <ac:grpSpMkLst>
+            <pc:docMk/>
+            <pc:sldMk cId="1789107118" sldId="274"/>
+            <ac:grpSpMk id="11" creationId="{FC42FFFC-C3A2-7943-15AD-CC47DD956FF4}"/>
+          </ac:grpSpMkLst>
+        </pc:grpChg>
         <pc:picChg chg="add mod modCrop">
-          <ac:chgData name="Liang, Mingli" userId="aa9d3a45-4ecd-477e-91f3-db58cc3a88ab" providerId="ADAL" clId="{D52D8EC0-1EFB-49EE-A7FD-D823B94A4F10}" dt="2022-07-05T14:28:49.350" v="1057" actId="1076"/>
+          <ac:chgData name="Liang, Mingli" userId="aa9d3a45-4ecd-477e-91f3-db58cc3a88ab" providerId="ADAL" clId="{D52D8EC0-1EFB-49EE-A7FD-D823B94A4F10}" dt="2022-07-06T14:30:13.021" v="1531" actId="164"/>
           <ac:picMkLst>
             <pc:docMk/>
             <pc:sldMk cId="1789107118" sldId="274"/>
@@ -638,7 +727,7 @@
           </ac:picMkLst>
         </pc:picChg>
         <pc:cxnChg chg="add mod">
-          <ac:chgData name="Liang, Mingli" userId="aa9d3a45-4ecd-477e-91f3-db58cc3a88ab" providerId="ADAL" clId="{D52D8EC0-1EFB-49EE-A7FD-D823B94A4F10}" dt="2022-07-05T14:28:55.379" v="1059" actId="14100"/>
+          <ac:chgData name="Liang, Mingli" userId="aa9d3a45-4ecd-477e-91f3-db58cc3a88ab" providerId="ADAL" clId="{D52D8EC0-1EFB-49EE-A7FD-D823B94A4F10}" dt="2022-07-06T14:58:02.102" v="1536" actId="14100"/>
           <ac:cxnSpMkLst>
             <pc:docMk/>
             <pc:sldMk cId="1789107118" sldId="274"/>
@@ -647,7 +736,7 @@
         </pc:cxnChg>
       </pc:sldChg>
       <pc:sldChg chg="modSp add mod">
-        <pc:chgData name="Liang, Mingli" userId="aa9d3a45-4ecd-477e-91f3-db58cc3a88ab" providerId="ADAL" clId="{D52D8EC0-1EFB-49EE-A7FD-D823B94A4F10}" dt="2022-07-05T14:30:35.420" v="1136" actId="207"/>
+        <pc:chgData name="Liang, Mingli" userId="aa9d3a45-4ecd-477e-91f3-db58cc3a88ab" providerId="ADAL" clId="{D52D8EC0-1EFB-49EE-A7FD-D823B94A4F10}" dt="2022-07-12T20:38:52.859" v="1774" actId="20577"/>
         <pc:sldMkLst>
           <pc:docMk/>
           <pc:sldMk cId="1631733566" sldId="275"/>
@@ -661,13 +750,84 @@
           </ac:spMkLst>
         </pc:spChg>
         <pc:spChg chg="mod">
-          <ac:chgData name="Liang, Mingli" userId="aa9d3a45-4ecd-477e-91f3-db58cc3a88ab" providerId="ADAL" clId="{D52D8EC0-1EFB-49EE-A7FD-D823B94A4F10}" dt="2022-07-05T14:30:35.420" v="1136" actId="207"/>
+          <ac:chgData name="Liang, Mingli" userId="aa9d3a45-4ecd-477e-91f3-db58cc3a88ab" providerId="ADAL" clId="{D52D8EC0-1EFB-49EE-A7FD-D823B94A4F10}" dt="2022-07-12T20:38:52.859" v="1774" actId="20577"/>
           <ac:spMkLst>
             <pc:docMk/>
             <pc:sldMk cId="1631733566" sldId="275"/>
             <ac:spMk id="3" creationId="{346693F9-D529-FCD0-5518-50AF2CE727C3}"/>
           </ac:spMkLst>
         </pc:spChg>
+      </pc:sldChg>
+      <pc:sldChg chg="addSp delSp modSp new mod">
+        <pc:chgData name="Liang, Mingli" userId="aa9d3a45-4ecd-477e-91f3-db58cc3a88ab" providerId="ADAL" clId="{D52D8EC0-1EFB-49EE-A7FD-D823B94A4F10}" dt="2022-07-05T15:55:17.793" v="1494" actId="20577"/>
+        <pc:sldMkLst>
+          <pc:docMk/>
+          <pc:sldMk cId="679477880" sldId="276"/>
+        </pc:sldMkLst>
+        <pc:spChg chg="mod">
+          <ac:chgData name="Liang, Mingli" userId="aa9d3a45-4ecd-477e-91f3-db58cc3a88ab" providerId="ADAL" clId="{D52D8EC0-1EFB-49EE-A7FD-D823B94A4F10}" dt="2022-07-05T15:15:13.273" v="1299" actId="20577"/>
+          <ac:spMkLst>
+            <pc:docMk/>
+            <pc:sldMk cId="679477880" sldId="276"/>
+            <ac:spMk id="2" creationId="{4046BA00-9730-7B38-6323-306ADDE2553B}"/>
+          </ac:spMkLst>
+        </pc:spChg>
+        <pc:spChg chg="mod">
+          <ac:chgData name="Liang, Mingli" userId="aa9d3a45-4ecd-477e-91f3-db58cc3a88ab" providerId="ADAL" clId="{D52D8EC0-1EFB-49EE-A7FD-D823B94A4F10}" dt="2022-07-05T15:55:17.793" v="1494" actId="20577"/>
+          <ac:spMkLst>
+            <pc:docMk/>
+            <pc:sldMk cId="679477880" sldId="276"/>
+            <ac:spMk id="3" creationId="{B3D7EBAD-CD25-4088-3EF1-EC36C52568C6}"/>
+          </ac:spMkLst>
+        </pc:spChg>
+        <pc:spChg chg="add mod">
+          <ac:chgData name="Liang, Mingli" userId="aa9d3a45-4ecd-477e-91f3-db58cc3a88ab" providerId="ADAL" clId="{D52D8EC0-1EFB-49EE-A7FD-D823B94A4F10}" dt="2022-07-05T15:17:26.624" v="1479" actId="1076"/>
+          <ac:spMkLst>
+            <pc:docMk/>
+            <pc:sldMk cId="679477880" sldId="276"/>
+            <ac:spMk id="12" creationId="{5BC80003-0A3E-DD88-A242-3B3F5185E8F3}"/>
+          </ac:spMkLst>
+        </pc:spChg>
+        <pc:spChg chg="add mod">
+          <ac:chgData name="Liang, Mingli" userId="aa9d3a45-4ecd-477e-91f3-db58cc3a88ab" providerId="ADAL" clId="{D52D8EC0-1EFB-49EE-A7FD-D823B94A4F10}" dt="2022-07-05T15:17:10.188" v="1472" actId="1076"/>
+          <ac:spMkLst>
+            <pc:docMk/>
+            <pc:sldMk cId="679477880" sldId="276"/>
+            <ac:spMk id="13" creationId="{56592D91-54B3-C42B-7BE4-B1F28E8E5B0C}"/>
+          </ac:spMkLst>
+        </pc:spChg>
+        <pc:picChg chg="add mod">
+          <ac:chgData name="Liang, Mingli" userId="aa9d3a45-4ecd-477e-91f3-db58cc3a88ab" providerId="ADAL" clId="{D52D8EC0-1EFB-49EE-A7FD-D823B94A4F10}" dt="2022-07-05T15:15:48.513" v="1373" actId="1076"/>
+          <ac:picMkLst>
+            <pc:docMk/>
+            <pc:sldMk cId="679477880" sldId="276"/>
+            <ac:picMk id="5" creationId="{21C57353-90D5-5AA3-6A51-A7A1CFD2D11C}"/>
+          </ac:picMkLst>
+        </pc:picChg>
+        <pc:picChg chg="add del mod">
+          <ac:chgData name="Liang, Mingli" userId="aa9d3a45-4ecd-477e-91f3-db58cc3a88ab" providerId="ADAL" clId="{D52D8EC0-1EFB-49EE-A7FD-D823B94A4F10}" dt="2022-07-05T15:16:51.452" v="1466" actId="478"/>
+          <ac:picMkLst>
+            <pc:docMk/>
+            <pc:sldMk cId="679477880" sldId="276"/>
+            <ac:picMk id="7" creationId="{AFE69520-E81E-E42B-0592-B687D5319373}"/>
+          </ac:picMkLst>
+        </pc:picChg>
+        <pc:picChg chg="add mod">
+          <ac:chgData name="Liang, Mingli" userId="aa9d3a45-4ecd-477e-91f3-db58cc3a88ab" providerId="ADAL" clId="{D52D8EC0-1EFB-49EE-A7FD-D823B94A4F10}" dt="2022-07-05T15:16:03.220" v="1380" actId="1076"/>
+          <ac:picMkLst>
+            <pc:docMk/>
+            <pc:sldMk cId="679477880" sldId="276"/>
+            <ac:picMk id="9" creationId="{FF183443-E668-5BE7-9D66-614992B4495D}"/>
+          </ac:picMkLst>
+        </pc:picChg>
+        <pc:picChg chg="add mod">
+          <ac:chgData name="Liang, Mingli" userId="aa9d3a45-4ecd-477e-91f3-db58cc3a88ab" providerId="ADAL" clId="{D52D8EC0-1EFB-49EE-A7FD-D823B94A4F10}" dt="2022-07-05T15:17:23.422" v="1478" actId="14100"/>
+          <ac:picMkLst>
+            <pc:docMk/>
+            <pc:sldMk cId="679477880" sldId="276"/>
+            <ac:picMk id="11" creationId="{1C9F87AF-FBBA-1920-CC5F-E8FE90D23883}"/>
+          </ac:picMkLst>
+        </pc:picChg>
       </pc:sldChg>
     </pc:docChg>
   </pc:docChgLst>
@@ -821,7 +981,7 @@
           <a:p>
             <a:fld id="{6C792A13-F6F3-43BC-853F-11696B7B252D}" type="datetimeFigureOut">
               <a:rPr lang="en-US" smtClean="0"/>
-              <a:t>7/5/2022</a:t>
+              <a:t>7/12/2022</a:t>
             </a:fld>
             <a:endParaRPr lang="en-US"/>
           </a:p>
@@ -1019,7 +1179,7 @@
           <a:p>
             <a:fld id="{6C792A13-F6F3-43BC-853F-11696B7B252D}" type="datetimeFigureOut">
               <a:rPr lang="en-US" smtClean="0"/>
-              <a:t>7/5/2022</a:t>
+              <a:t>7/12/2022</a:t>
             </a:fld>
             <a:endParaRPr lang="en-US"/>
           </a:p>
@@ -1227,7 +1387,7 @@
           <a:p>
             <a:fld id="{6C792A13-F6F3-43BC-853F-11696B7B252D}" type="datetimeFigureOut">
               <a:rPr lang="en-US" smtClean="0"/>
-              <a:t>7/5/2022</a:t>
+              <a:t>7/12/2022</a:t>
             </a:fld>
             <a:endParaRPr lang="en-US"/>
           </a:p>
@@ -1425,7 +1585,7 @@
           <a:p>
             <a:fld id="{6C792A13-F6F3-43BC-853F-11696B7B252D}" type="datetimeFigureOut">
               <a:rPr lang="en-US" smtClean="0"/>
-              <a:t>7/5/2022</a:t>
+              <a:t>7/12/2022</a:t>
             </a:fld>
             <a:endParaRPr lang="en-US"/>
           </a:p>
@@ -1700,7 +1860,7 @@
           <a:p>
             <a:fld id="{6C792A13-F6F3-43BC-853F-11696B7B252D}" type="datetimeFigureOut">
               <a:rPr lang="en-US" smtClean="0"/>
-              <a:t>7/5/2022</a:t>
+              <a:t>7/12/2022</a:t>
             </a:fld>
             <a:endParaRPr lang="en-US"/>
           </a:p>
@@ -1965,7 +2125,7 @@
           <a:p>
             <a:fld id="{6C792A13-F6F3-43BC-853F-11696B7B252D}" type="datetimeFigureOut">
               <a:rPr lang="en-US" smtClean="0"/>
-              <a:t>7/5/2022</a:t>
+              <a:t>7/12/2022</a:t>
             </a:fld>
             <a:endParaRPr lang="en-US"/>
           </a:p>
@@ -2377,7 +2537,7 @@
           <a:p>
             <a:fld id="{6C792A13-F6F3-43BC-853F-11696B7B252D}" type="datetimeFigureOut">
               <a:rPr lang="en-US" smtClean="0"/>
-              <a:t>7/5/2022</a:t>
+              <a:t>7/12/2022</a:t>
             </a:fld>
             <a:endParaRPr lang="en-US"/>
           </a:p>
@@ -2518,7 +2678,7 @@
           <a:p>
             <a:fld id="{6C792A13-F6F3-43BC-853F-11696B7B252D}" type="datetimeFigureOut">
               <a:rPr lang="en-US" smtClean="0"/>
-              <a:t>7/5/2022</a:t>
+              <a:t>7/12/2022</a:t>
             </a:fld>
             <a:endParaRPr lang="en-US"/>
           </a:p>
@@ -2631,7 +2791,7 @@
           <a:p>
             <a:fld id="{6C792A13-F6F3-43BC-853F-11696B7B252D}" type="datetimeFigureOut">
               <a:rPr lang="en-US" smtClean="0"/>
-              <a:t>7/5/2022</a:t>
+              <a:t>7/12/2022</a:t>
             </a:fld>
             <a:endParaRPr lang="en-US"/>
           </a:p>
@@ -2942,7 +3102,7 @@
           <a:p>
             <a:fld id="{6C792A13-F6F3-43BC-853F-11696B7B252D}" type="datetimeFigureOut">
               <a:rPr lang="en-US" smtClean="0"/>
-              <a:t>7/5/2022</a:t>
+              <a:t>7/12/2022</a:t>
             </a:fld>
             <a:endParaRPr lang="en-US"/>
           </a:p>
@@ -3230,7 +3390,7 @@
           <a:p>
             <a:fld id="{6C792A13-F6F3-43BC-853F-11696B7B252D}" type="datetimeFigureOut">
               <a:rPr lang="en-US" smtClean="0"/>
-              <a:t>7/5/2022</a:t>
+              <a:t>7/12/2022</a:t>
             </a:fld>
             <a:endParaRPr lang="en-US"/>
           </a:p>
@@ -3471,7 +3631,7 @@
           <a:p>
             <a:fld id="{6C792A13-F6F3-43BC-853F-11696B7B252D}" type="datetimeFigureOut">
               <a:rPr lang="en-US" smtClean="0"/>
-              <a:t>7/5/2022</a:t>
+              <a:t>7/12/2022</a:t>
             </a:fld>
             <a:endParaRPr lang="en-US"/>
           </a:p>
@@ -3974,6 +4134,14 @@
 <file path=ppt/slides/slide10.xml><?xml version="1.0" encoding="utf-8"?>
 <p:sld xmlns:a="http://schemas.openxmlformats.org/drawingml/2006/main" xmlns:r="http://schemas.openxmlformats.org/officeDocument/2006/relationships" xmlns:p="http://schemas.openxmlformats.org/presentationml/2006/main">
   <p:cSld>
+    <p:bg>
+      <p:bgPr>
+        <a:solidFill>
+          <a:schemeClr val="bg1"/>
+        </a:solidFill>
+        <a:effectLst/>
+      </p:bgPr>
+    </p:bg>
     <p:spTree>
       <p:nvGrpSpPr>
         <p:cNvPr id="1" name=""/>
@@ -3990,268 +4158,40 @@
       </p:grpSpPr>
       <p:sp>
         <p:nvSpPr>
-          <p:cNvPr id="2" name="Title 1">
-            <a:extLst>
-              <a:ext uri="{FF2B5EF4-FFF2-40B4-BE49-F238E27FC236}">
-                <a16:creationId xmlns:a16="http://schemas.microsoft.com/office/drawing/2014/main" id="{77DE1D4F-F0A1-F175-F6BD-4E271862782D}"/>
-              </a:ext>
-            </a:extLst>
-          </p:cNvPr>
-          <p:cNvSpPr>
-            <a:spLocks noGrp="1"/>
-          </p:cNvSpPr>
-          <p:nvPr>
-            <p:ph type="title"/>
+          <p:cNvPr id="10" name="Rectangle 9">
+            <a:extLst>
+              <a:ext uri="{FF2B5EF4-FFF2-40B4-BE49-F238E27FC236}">
+                <a16:creationId xmlns:a16="http://schemas.microsoft.com/office/drawing/2014/main" id="{6753252F-4873-4F63-801D-CC719279A7D5}"/>
+              </a:ext>
+              <a:ext uri="{C183D7F6-B498-43B3-948B-1728B52AA6E4}">
+                <adec:decorative xmlns:adec="http://schemas.microsoft.com/office/drawing/2017/decorative" val="1"/>
+              </a:ext>
+            </a:extLst>
+          </p:cNvPr>
+          <p:cNvSpPr>
+            <a:spLocks noGrp="1" noRot="1" noChangeAspect="1" noMove="1" noResize="1" noEditPoints="1" noAdjustHandles="1" noChangeArrowheads="1" noChangeShapeType="1" noTextEdit="1"/>
+          </p:cNvSpPr>
+          <p:nvPr>
+            <p:extLst>
+              <p:ext uri="{386F3935-93C4-4BCD-93E2-E3B085C9AB24}">
+                <p16:designElem xmlns:p16="http://schemas.microsoft.com/office/powerpoint/2015/main" val="1"/>
+              </p:ext>
+            </p:extLst>
           </p:nvPr>
         </p:nvSpPr>
         <p:spPr>
           <a:xfrm>
-            <a:off x="0" y="9207"/>
-            <a:ext cx="10515600" cy="454025"/>
-          </a:xfrm>
-        </p:spPr>
-        <p:txBody>
-          <a:bodyPr>
-            <a:normAutofit fontScale="90000"/>
-          </a:bodyPr>
-          <a:lstStyle/>
-          <a:p>
-            <a:r>
-              <a:rPr lang="en-US" dirty="0"/>
-              <a:t>How to use </a:t>
-            </a:r>
-            <a:r>
-              <a:rPr lang="en-US" dirty="0" err="1"/>
-              <a:t>combinato</a:t>
-            </a:r>
-            <a:r>
-              <a:rPr lang="en-US" dirty="0"/>
-              <a:t> with H5 files</a:t>
-            </a:r>
-          </a:p>
-        </p:txBody>
-      </p:sp>
-      <p:sp>
-        <p:nvSpPr>
-          <p:cNvPr id="3" name="Content Placeholder 2">
-            <a:extLst>
-              <a:ext uri="{FF2B5EF4-FFF2-40B4-BE49-F238E27FC236}">
-                <a16:creationId xmlns:a16="http://schemas.microsoft.com/office/drawing/2014/main" id="{346693F9-D529-FCD0-5518-50AF2CE727C3}"/>
-              </a:ext>
-            </a:extLst>
-          </p:cNvPr>
-          <p:cNvSpPr>
-            <a:spLocks noGrp="1"/>
-          </p:cNvSpPr>
-          <p:nvPr>
-            <p:ph idx="1"/>
-          </p:nvPr>
-        </p:nvSpPr>
-        <p:spPr>
-          <a:xfrm>
-            <a:off x="228600" y="590550"/>
-            <a:ext cx="11125200" cy="5586413"/>
-          </a:xfrm>
-        </p:spPr>
-        <p:txBody>
-          <a:bodyPr>
-            <a:normAutofit fontScale="70000" lnSpcReduction="20000"/>
-          </a:bodyPr>
-          <a:lstStyle/>
-          <a:p>
-            <a:r>
-              <a:rPr lang="en-US" dirty="0"/>
-              <a:t>In anaconda, navigate to the data folder containing NS5 files or converted H5 files</a:t>
-            </a:r>
-          </a:p>
-          <a:p>
-            <a:pPr lvl="1"/>
-            <a:r>
-              <a:rPr lang="en-US" dirty="0"/>
-              <a:t>cd D:\h5data</a:t>
-            </a:r>
-          </a:p>
-          <a:p>
-            <a:r>
-              <a:rPr lang="en-US" dirty="0"/>
-              <a:t>get list of H5 files</a:t>
-            </a:r>
-          </a:p>
-          <a:p>
-            <a:pPr lvl="1"/>
-            <a:r>
-              <a:rPr lang="en-US" dirty="0" err="1"/>
-              <a:t>dir</a:t>
-            </a:r>
-            <a:r>
-              <a:rPr lang="en-US" dirty="0"/>
-              <a:t> *.h5 /b &gt; do_extract.txt</a:t>
-            </a:r>
-          </a:p>
-          <a:p>
-            <a:r>
-              <a:rPr lang="en-US" dirty="0"/>
-              <a:t>spike detection</a:t>
-            </a:r>
-          </a:p>
-          <a:p>
-            <a:pPr lvl="1"/>
-            <a:r>
-              <a:rPr lang="en-US" dirty="0"/>
-              <a:t>python C:\Users\ml2866\combinato\css-extract.py --h5 --h5sr 30000 --jobs do_extract.txt</a:t>
-            </a:r>
-          </a:p>
-          <a:p>
-            <a:r>
-              <a:rPr lang="en-US" dirty="0"/>
-              <a:t>artifact rejection prior to sorting</a:t>
-            </a:r>
-          </a:p>
-          <a:p>
-            <a:pPr lvl="1"/>
-            <a:r>
-              <a:rPr lang="en-US" dirty="0"/>
-              <a:t>python C:\Users\ml2866\combinato\css-find-concurrent.py</a:t>
-            </a:r>
-          </a:p>
-          <a:p>
-            <a:pPr lvl="1"/>
-            <a:r>
-              <a:rPr lang="en-US" dirty="0"/>
-              <a:t>python  C:\Users\ml2866\combinato\css-mask-artifacts.py</a:t>
-            </a:r>
-          </a:p>
-          <a:p>
-            <a:r>
-              <a:rPr lang="en-US" dirty="0"/>
-              <a:t>Generate txt file for next step</a:t>
-            </a:r>
-          </a:p>
-          <a:p>
-            <a:pPr lvl="1"/>
-            <a:r>
-              <a:rPr lang="en-US" dirty="0"/>
-              <a:t>python C:\Users\ml2866\combinato\css-overview-gui.py</a:t>
-            </a:r>
-          </a:p>
-          <a:p>
-            <a:pPr lvl="1"/>
-            <a:r>
-              <a:rPr lang="en-US" dirty="0">
-                <a:solidFill>
-                  <a:srgbClr val="C00000"/>
-                </a:solidFill>
-              </a:rPr>
-              <a:t>save action to files</a:t>
-            </a:r>
-            <a:r>
-              <a:rPr lang="en-US" dirty="0"/>
-              <a:t>, generate do_sort_neg.txt</a:t>
-            </a:r>
-          </a:p>
-          <a:p>
-            <a:r>
-              <a:rPr lang="en-US" dirty="0"/>
-              <a:t>Start sorting</a:t>
-            </a:r>
-          </a:p>
-          <a:p>
-            <a:pPr lvl="1"/>
-            <a:r>
-              <a:rPr lang="en-US" dirty="0"/>
-              <a:t>python C:\Users\ml2866\combinato\css-prepare-sorting.py --neg --jobs do_sort_neg.txt </a:t>
-            </a:r>
-          </a:p>
-          <a:p>
-            <a:pPr lvl="1"/>
-            <a:r>
-              <a:rPr lang="en-US" dirty="0"/>
-              <a:t>python C:\Users\ml2866\combinato\css-cluster.py --jobs sort_neg_ml2.txt</a:t>
-            </a:r>
-          </a:p>
-          <a:p>
-            <a:pPr lvl="1"/>
-            <a:r>
-              <a:rPr lang="en-US" dirty="0"/>
-              <a:t>Python C:\Users\ml2866\combinato\css-combine.py --jobs sort_neg_ml2.txt </a:t>
-            </a:r>
-          </a:p>
-          <a:p>
-            <a:r>
-              <a:rPr lang="en-US" dirty="0"/>
-              <a:t>Inspect results</a:t>
-            </a:r>
-          </a:p>
-          <a:p>
-            <a:pPr lvl="1"/>
-            <a:r>
-              <a:rPr lang="en-US" dirty="0"/>
-              <a:t>copy do_sort_neg.txt do_manual_neg.txt</a:t>
-            </a:r>
-          </a:p>
-          <a:p>
-            <a:pPr lvl="1"/>
-            <a:r>
-              <a:rPr lang="en-US" dirty="0"/>
-              <a:t>python C:\Users\ml2866\combinato\css-gui.py</a:t>
-            </a:r>
-          </a:p>
-        </p:txBody>
-      </p:sp>
-      <p:pic>
-        <p:nvPicPr>
-          <p:cNvPr id="5" name="Picture 4">
-            <a:extLst>
-              <a:ext uri="{FF2B5EF4-FFF2-40B4-BE49-F238E27FC236}">
-                <a16:creationId xmlns:a16="http://schemas.microsoft.com/office/drawing/2014/main" id="{E880B4B0-4E00-EB83-D02C-1F5D1026AEEF}"/>
-              </a:ext>
-            </a:extLst>
-          </p:cNvPr>
-          <p:cNvPicPr>
-            <a:picLocks noChangeAspect="1"/>
-          </p:cNvPicPr>
-          <p:nvPr/>
-        </p:nvPicPr>
-        <p:blipFill rotWithShape="1">
-          <a:blip r:embed="rId2"/>
-          <a:srcRect r="15944" b="25138"/>
-          <a:stretch/>
-        </p:blipFill>
-        <p:spPr>
-          <a:xfrm>
-            <a:off x="8607684" y="3712528"/>
-            <a:ext cx="3155691" cy="2682240"/>
+            <a:off x="0" y="0"/>
+            <a:ext cx="12192000" cy="6858000"/>
           </a:xfrm>
           <a:prstGeom prst="rect">
             <a:avLst/>
           </a:prstGeom>
-        </p:spPr>
-      </p:pic>
-      <p:sp>
-        <p:nvSpPr>
-          <p:cNvPr id="6" name="Oval 5">
-            <a:extLst>
-              <a:ext uri="{FF2B5EF4-FFF2-40B4-BE49-F238E27FC236}">
-                <a16:creationId xmlns:a16="http://schemas.microsoft.com/office/drawing/2014/main" id="{4074FD1F-42C9-1CC8-FF18-9A3521851B27}"/>
-              </a:ext>
-            </a:extLst>
-          </p:cNvPr>
-          <p:cNvSpPr/>
-          <p:nvPr/>
-        </p:nvSpPr>
-        <p:spPr>
-          <a:xfrm>
-            <a:off x="8422640" y="5933440"/>
-            <a:ext cx="1310640" cy="243523"/>
-          </a:xfrm>
-          <a:prstGeom prst="ellipse">
-            <a:avLst/>
-          </a:prstGeom>
-          <a:noFill/>
+          <a:solidFill>
+            <a:srgbClr val="FFFFFF"/>
+          </a:solidFill>
           <a:ln>
-            <a:solidFill>
-              <a:srgbClr val="FF0000"/>
-            </a:solidFill>
+            <a:noFill/>
           </a:ln>
         </p:spPr>
         <p:style>
@@ -4279,54 +4219,159 @@
           </a:p>
         </p:txBody>
       </p:sp>
-      <p:cxnSp>
-        <p:nvCxnSpPr>
-          <p:cNvPr id="8" name="Straight Arrow Connector 7">
-            <a:extLst>
-              <a:ext uri="{FF2B5EF4-FFF2-40B4-BE49-F238E27FC236}">
-                <a16:creationId xmlns:a16="http://schemas.microsoft.com/office/drawing/2014/main" id="{1479FAC3-B9C1-9705-2EBD-0D6BD03C61BD}"/>
-              </a:ext>
-            </a:extLst>
-          </p:cNvPr>
-          <p:cNvCxnSpPr>
-            <a:cxnSpLocks/>
-          </p:cNvCxnSpPr>
-          <p:nvPr/>
-        </p:nvCxnSpPr>
+      <p:sp>
+        <p:nvSpPr>
+          <p:cNvPr id="12" name="Rectangle 11">
+            <a:extLst>
+              <a:ext uri="{FF2B5EF4-FFF2-40B4-BE49-F238E27FC236}">
+                <a16:creationId xmlns:a16="http://schemas.microsoft.com/office/drawing/2014/main" id="{047C8CCB-F95D-4249-92DD-651249D3535A}"/>
+              </a:ext>
+              <a:ext uri="{C183D7F6-B498-43B3-948B-1728B52AA6E4}">
+                <adec:decorative xmlns:adec="http://schemas.microsoft.com/office/drawing/2017/decorative" val="1"/>
+              </a:ext>
+            </a:extLst>
+          </p:cNvPr>
+          <p:cNvSpPr>
+            <a:spLocks noGrp="1" noRot="1" noChangeAspect="1" noMove="1" noResize="1" noEditPoints="1" noAdjustHandles="1" noChangeArrowheads="1" noChangeShapeType="1" noTextEdit="1"/>
+          </p:cNvSpPr>
+          <p:nvPr>
+            <p:extLst>
+              <p:ext uri="{386F3935-93C4-4BCD-93E2-E3B085C9AB24}">
+                <p16:designElem xmlns:p16="http://schemas.microsoft.com/office/powerpoint/2015/main" val="1"/>
+              </p:ext>
+            </p:extLst>
+          </p:nvPr>
+        </p:nvSpPr>
         <p:spPr>
           <a:xfrm>
-            <a:off x="5286375" y="4810125"/>
-            <a:ext cx="3619500" cy="1123315"/>
+            <a:off x="0" y="0"/>
+            <a:ext cx="2013557" cy="6858000"/>
           </a:xfrm>
-          <a:prstGeom prst="straightConnector1">
+          <a:prstGeom prst="rect">
             <a:avLst/>
           </a:prstGeom>
-          <a:ln w="38100">
-            <a:solidFill>
-              <a:srgbClr val="FF0000"/>
-            </a:solidFill>
-            <a:tailEnd type="triangle"/>
+          <a:solidFill>
+            <a:srgbClr val="496167"/>
+          </a:solidFill>
+          <a:ln>
+            <a:noFill/>
           </a:ln>
         </p:spPr>
         <p:style>
-          <a:lnRef idx="1">
-            <a:schemeClr val="accent1"/>
+          <a:lnRef idx="2">
+            <a:schemeClr val="accent1">
+              <a:shade val="50000"/>
+            </a:schemeClr>
           </a:lnRef>
-          <a:fillRef idx="0">
+          <a:fillRef idx="1">
             <a:schemeClr val="accent1"/>
           </a:fillRef>
           <a:effectRef idx="0">
             <a:schemeClr val="accent1"/>
           </a:effectRef>
           <a:fontRef idx="minor">
-            <a:schemeClr val="tx1"/>
+            <a:schemeClr val="lt1"/>
           </a:fontRef>
         </p:style>
-      </p:cxnSp>
+        <p:txBody>
+          <a:bodyPr rtlCol="0" anchor="ctr"/>
+          <a:lstStyle/>
+          <a:p>
+            <a:pPr algn="ctr"/>
+            <a:endParaRPr lang="en-US"/>
+          </a:p>
+        </p:txBody>
+      </p:sp>
+      <p:sp>
+        <p:nvSpPr>
+          <p:cNvPr id="2" name="Title 1">
+            <a:extLst>
+              <a:ext uri="{FF2B5EF4-FFF2-40B4-BE49-F238E27FC236}">
+                <a16:creationId xmlns:a16="http://schemas.microsoft.com/office/drawing/2014/main" id="{061CFCA6-0935-0A5C-2944-CDB73E07C856}"/>
+              </a:ext>
+            </a:extLst>
+          </p:cNvPr>
+          <p:cNvSpPr>
+            <a:spLocks noGrp="1"/>
+          </p:cNvSpPr>
+          <p:nvPr>
+            <p:ph type="title"/>
+          </p:nvPr>
+        </p:nvSpPr>
+        <p:spPr>
+          <a:xfrm>
+            <a:off x="640080" y="2074363"/>
+            <a:ext cx="2752354" cy="2709275"/>
+          </a:xfrm>
+          <a:prstGeom prst="ellipse">
+            <a:avLst/>
+          </a:prstGeom>
+          <a:solidFill>
+            <a:srgbClr val="262626"/>
+          </a:solidFill>
+          <a:ln w="174625" cmpd="thinThick">
+            <a:solidFill>
+              <a:srgbClr val="262626"/>
+            </a:solidFill>
+          </a:ln>
+        </p:spPr>
+        <p:txBody>
+          <a:bodyPr vert="horz" lIns="91440" tIns="45720" rIns="91440" bIns="45720" rtlCol="0" anchor="ctr">
+            <a:normAutofit/>
+          </a:bodyPr>
+          <a:lstStyle/>
+          <a:p>
+            <a:pPr algn="ctr"/>
+            <a:r>
+              <a:rPr lang="en-US" sz="2600" kern="1200">
+                <a:solidFill>
+                  <a:srgbClr val="FFFFFF"/>
+                </a:solidFill>
+                <a:latin typeface="+mj-lt"/>
+                <a:ea typeface="+mj-ea"/>
+                <a:cs typeface="+mj-cs"/>
+              </a:rPr>
+              <a:t>Raster plots</a:t>
+            </a:r>
+          </a:p>
+        </p:txBody>
+      </p:sp>
+      <p:pic>
+        <p:nvPicPr>
+          <p:cNvPr id="5" name="Content Placeholder 4">
+            <a:extLst>
+              <a:ext uri="{FF2B5EF4-FFF2-40B4-BE49-F238E27FC236}">
+                <a16:creationId xmlns:a16="http://schemas.microsoft.com/office/drawing/2014/main" id="{67FE8ACC-D058-EFFF-B628-4951C9723FE8}"/>
+              </a:ext>
+            </a:extLst>
+          </p:cNvPr>
+          <p:cNvPicPr>
+            <a:picLocks noGrp="1" noChangeAspect="1"/>
+          </p:cNvPicPr>
+          <p:nvPr>
+            <p:ph idx="1"/>
+          </p:nvPr>
+        </p:nvPicPr>
+        <p:blipFill>
+          <a:blip r:embed="rId2"/>
+          <a:stretch>
+            <a:fillRect/>
+          </a:stretch>
+        </p:blipFill>
+        <p:spPr>
+          <a:xfrm>
+            <a:off x="4038600" y="1540404"/>
+            <a:ext cx="7188199" cy="3773803"/>
+          </a:xfrm>
+          <a:prstGeom prst="rect">
+            <a:avLst/>
+          </a:prstGeom>
+        </p:spPr>
+      </p:pic>
     </p:spTree>
     <p:extLst>
       <p:ext uri="{BB962C8B-B14F-4D97-AF65-F5344CB8AC3E}">
-        <p14:creationId xmlns:p14="http://schemas.microsoft.com/office/powerpoint/2010/main" val="1789107118"/>
+        <p14:creationId xmlns:p14="http://schemas.microsoft.com/office/powerpoint/2010/main" val="510326212"/>
       </p:ext>
     </p:extLst>
   </p:cSld>
@@ -4391,6 +4436,421 @@
             </a:r>
             <a:r>
               <a:rPr lang="en-US" dirty="0"/>
+              <a:t> with H5 files</a:t>
+            </a:r>
+          </a:p>
+        </p:txBody>
+      </p:sp>
+      <p:sp>
+        <p:nvSpPr>
+          <p:cNvPr id="3" name="Content Placeholder 2">
+            <a:extLst>
+              <a:ext uri="{FF2B5EF4-FFF2-40B4-BE49-F238E27FC236}">
+                <a16:creationId xmlns:a16="http://schemas.microsoft.com/office/drawing/2014/main" id="{346693F9-D529-FCD0-5518-50AF2CE727C3}"/>
+              </a:ext>
+            </a:extLst>
+          </p:cNvPr>
+          <p:cNvSpPr>
+            <a:spLocks noGrp="1"/>
+          </p:cNvSpPr>
+          <p:nvPr>
+            <p:ph idx="1"/>
+          </p:nvPr>
+        </p:nvSpPr>
+        <p:spPr>
+          <a:xfrm>
+            <a:off x="228600" y="590550"/>
+            <a:ext cx="11125200" cy="6534150"/>
+          </a:xfrm>
+        </p:spPr>
+        <p:txBody>
+          <a:bodyPr>
+            <a:normAutofit fontScale="70000" lnSpcReduction="20000"/>
+          </a:bodyPr>
+          <a:lstStyle/>
+          <a:p>
+            <a:r>
+              <a:rPr lang="en-US" dirty="0"/>
+              <a:t>In anaconda, navigate to the data folder containing NS5 files or converted H5 files</a:t>
+            </a:r>
+          </a:p>
+          <a:p>
+            <a:pPr lvl="1"/>
+            <a:r>
+              <a:rPr lang="en-US" dirty="0"/>
+              <a:t>cd D:\h5data</a:t>
+            </a:r>
+          </a:p>
+          <a:p>
+            <a:r>
+              <a:rPr lang="en-US" dirty="0"/>
+              <a:t>get list of H5 files</a:t>
+            </a:r>
+          </a:p>
+          <a:p>
+            <a:pPr lvl="1"/>
+            <a:r>
+              <a:rPr lang="en-US" dirty="0" err="1"/>
+              <a:t>dir</a:t>
+            </a:r>
+            <a:r>
+              <a:rPr lang="en-US" dirty="0"/>
+              <a:t> *.h5 /b &gt; do_extract.txt</a:t>
+            </a:r>
+          </a:p>
+          <a:p>
+            <a:r>
+              <a:rPr lang="en-US" dirty="0"/>
+              <a:t>spike detection</a:t>
+            </a:r>
+          </a:p>
+          <a:p>
+            <a:pPr lvl="1"/>
+            <a:r>
+              <a:rPr lang="en-US" dirty="0"/>
+              <a:t>python C:\Users\ml2866\combinato\css-extract.py --h5 --h5alignstart --</a:t>
+            </a:r>
+            <a:r>
+              <a:rPr lang="en-US" dirty="0" err="1"/>
+              <a:t>matfile</a:t>
+            </a:r>
+            <a:r>
+              <a:rPr lang="en-US" dirty="0"/>
+              <a:t>-scale-factor 0.25 --h5sr 30000 --start 111668460  --stop 651668460 --jobs do_extract.txt</a:t>
+            </a:r>
+          </a:p>
+          <a:p>
+            <a:r>
+              <a:rPr lang="en-US" dirty="0"/>
+              <a:t>artifact rejection prior to sorting</a:t>
+            </a:r>
+          </a:p>
+          <a:p>
+            <a:pPr lvl="1"/>
+            <a:r>
+              <a:rPr lang="en-US" dirty="0"/>
+              <a:t>python C:\Users\ml2866\combinato\css-find-concurrent.py</a:t>
+            </a:r>
+          </a:p>
+          <a:p>
+            <a:pPr lvl="1"/>
+            <a:r>
+              <a:rPr lang="en-US" dirty="0"/>
+              <a:t>python  C:\Users\ml2866\combinato\css-mask-artifacts.py</a:t>
+            </a:r>
+          </a:p>
+          <a:p>
+            <a:r>
+              <a:rPr lang="en-US" dirty="0"/>
+              <a:t>Generate txt file for next step</a:t>
+            </a:r>
+          </a:p>
+          <a:p>
+            <a:pPr lvl="1"/>
+            <a:r>
+              <a:rPr lang="en-US" dirty="0"/>
+              <a:t>python C:\Users\ml2866\combinato\css-overview-gui.py</a:t>
+            </a:r>
+          </a:p>
+          <a:p>
+            <a:pPr lvl="1"/>
+            <a:r>
+              <a:rPr lang="en-US" dirty="0">
+                <a:solidFill>
+                  <a:srgbClr val="C00000"/>
+                </a:solidFill>
+              </a:rPr>
+              <a:t>save action to files</a:t>
+            </a:r>
+            <a:r>
+              <a:rPr lang="en-US" dirty="0"/>
+              <a:t>, generate do_sort_neg.txt</a:t>
+            </a:r>
+          </a:p>
+          <a:p>
+            <a:r>
+              <a:rPr lang="en-US" dirty="0"/>
+              <a:t>Start sorting</a:t>
+            </a:r>
+          </a:p>
+          <a:p>
+            <a:pPr lvl="1"/>
+            <a:r>
+              <a:rPr lang="en-US" dirty="0"/>
+              <a:t>python C:\Users\ml2866\combinato\css-prepare-sorting.py --neg --jobs do_sort_neg.txt </a:t>
+            </a:r>
+          </a:p>
+          <a:p>
+            <a:pPr lvl="1"/>
+            <a:r>
+              <a:rPr lang="en-US" dirty="0"/>
+              <a:t>python C:\Users\ml2866\combinato\css-cluster.py --jobs sort_neg_ml2.txt</a:t>
+            </a:r>
+          </a:p>
+          <a:p>
+            <a:pPr lvl="1"/>
+            <a:r>
+              <a:rPr lang="en-US" dirty="0"/>
+              <a:t>Python C:\Users\ml2866\combinato\css-combine.py --jobs sort_neg_ml2.txt </a:t>
+            </a:r>
+          </a:p>
+          <a:p>
+            <a:r>
+              <a:rPr lang="en-US" dirty="0"/>
+              <a:t>Plot overview spikes</a:t>
+            </a:r>
+          </a:p>
+          <a:p>
+            <a:pPr lvl="1"/>
+            <a:r>
+              <a:rPr lang="en-US" dirty="0"/>
+              <a:t>Python C:\Users\ml2866\combinato\css-plot-extracted.py </a:t>
+            </a:r>
+          </a:p>
+          <a:p>
+            <a:pPr lvl="1"/>
+            <a:r>
+              <a:rPr lang="en-US" dirty="0"/>
+              <a:t>python C:\Users\ml2866\combinato\css-overview-gui.py</a:t>
+            </a:r>
+          </a:p>
+          <a:p>
+            <a:r>
+              <a:rPr lang="en-US" dirty="0"/>
+              <a:t>Inspect results</a:t>
+            </a:r>
+          </a:p>
+          <a:p>
+            <a:pPr lvl="1"/>
+            <a:r>
+              <a:rPr lang="en-US" dirty="0"/>
+              <a:t>copy do_sort_neg.txt do_manual_neg.txt</a:t>
+            </a:r>
+          </a:p>
+          <a:p>
+            <a:pPr lvl="1"/>
+            <a:r>
+              <a:rPr lang="en-US" dirty="0"/>
+              <a:t>python C:\Users\ml2866\combinato\css-gui.py</a:t>
+            </a:r>
+          </a:p>
+        </p:txBody>
+      </p:sp>
+      <p:grpSp>
+        <p:nvGrpSpPr>
+          <p:cNvPr id="11" name="Group 10">
+            <a:extLst>
+              <a:ext uri="{FF2B5EF4-FFF2-40B4-BE49-F238E27FC236}">
+                <a16:creationId xmlns:a16="http://schemas.microsoft.com/office/drawing/2014/main" id="{FC42FFFC-C3A2-7943-15AD-CC47DD956FF4}"/>
+              </a:ext>
+            </a:extLst>
+          </p:cNvPr>
+          <p:cNvGrpSpPr/>
+          <p:nvPr/>
+        </p:nvGrpSpPr>
+        <p:grpSpPr>
+          <a:xfrm>
+            <a:off x="5143501" y="2844800"/>
+            <a:ext cx="6210300" cy="1911668"/>
+            <a:chOff x="3479077" y="3712528"/>
+            <a:chExt cx="8284298" cy="2682240"/>
+          </a:xfrm>
+        </p:grpSpPr>
+        <p:pic>
+          <p:nvPicPr>
+            <p:cNvPr id="5" name="Picture 4">
+              <a:extLst>
+                <a:ext uri="{FF2B5EF4-FFF2-40B4-BE49-F238E27FC236}">
+                  <a16:creationId xmlns:a16="http://schemas.microsoft.com/office/drawing/2014/main" id="{E880B4B0-4E00-EB83-D02C-1F5D1026AEEF}"/>
+                </a:ext>
+              </a:extLst>
+            </p:cNvPr>
+            <p:cNvPicPr>
+              <a:picLocks noChangeAspect="1"/>
+            </p:cNvPicPr>
+            <p:nvPr/>
+          </p:nvPicPr>
+          <p:blipFill rotWithShape="1">
+            <a:blip r:embed="rId2"/>
+            <a:srcRect r="15944" b="25138"/>
+            <a:stretch/>
+          </p:blipFill>
+          <p:spPr>
+            <a:xfrm>
+              <a:off x="8607684" y="3712528"/>
+              <a:ext cx="3155691" cy="2682240"/>
+            </a:xfrm>
+            <a:prstGeom prst="rect">
+              <a:avLst/>
+            </a:prstGeom>
+          </p:spPr>
+        </p:pic>
+        <p:sp>
+          <p:nvSpPr>
+            <p:cNvPr id="6" name="Oval 5">
+              <a:extLst>
+                <a:ext uri="{FF2B5EF4-FFF2-40B4-BE49-F238E27FC236}">
+                  <a16:creationId xmlns:a16="http://schemas.microsoft.com/office/drawing/2014/main" id="{4074FD1F-42C9-1CC8-FF18-9A3521851B27}"/>
+                </a:ext>
+              </a:extLst>
+            </p:cNvPr>
+            <p:cNvSpPr/>
+            <p:nvPr/>
+          </p:nvSpPr>
+          <p:spPr>
+            <a:xfrm>
+              <a:off x="8819197" y="5577840"/>
+              <a:ext cx="1310640" cy="243523"/>
+            </a:xfrm>
+            <a:prstGeom prst="ellipse">
+              <a:avLst/>
+            </a:prstGeom>
+            <a:noFill/>
+            <a:ln>
+              <a:solidFill>
+                <a:srgbClr val="FF0000"/>
+              </a:solidFill>
+            </a:ln>
+          </p:spPr>
+          <p:style>
+            <a:lnRef idx="2">
+              <a:schemeClr val="accent1">
+                <a:shade val="50000"/>
+              </a:schemeClr>
+            </a:lnRef>
+            <a:fillRef idx="1">
+              <a:schemeClr val="accent1"/>
+            </a:fillRef>
+            <a:effectRef idx="0">
+              <a:schemeClr val="accent1"/>
+            </a:effectRef>
+            <a:fontRef idx="minor">
+              <a:schemeClr val="lt1"/>
+            </a:fontRef>
+          </p:style>
+          <p:txBody>
+            <a:bodyPr rtlCol="0" anchor="ctr"/>
+            <a:lstStyle/>
+            <a:p>
+              <a:pPr algn="ctr"/>
+              <a:endParaRPr lang="en-US"/>
+            </a:p>
+          </p:txBody>
+        </p:sp>
+        <p:cxnSp>
+          <p:nvCxnSpPr>
+            <p:cNvPr id="8" name="Straight Arrow Connector 7">
+              <a:extLst>
+                <a:ext uri="{FF2B5EF4-FFF2-40B4-BE49-F238E27FC236}">
+                  <a16:creationId xmlns:a16="http://schemas.microsoft.com/office/drawing/2014/main" id="{1479FAC3-B9C1-9705-2EBD-0D6BD03C61BD}"/>
+                </a:ext>
+              </a:extLst>
+            </p:cNvPr>
+            <p:cNvCxnSpPr>
+              <a:cxnSpLocks/>
+              <a:endCxn id="6" idx="2"/>
+            </p:cNvCxnSpPr>
+            <p:nvPr/>
+          </p:nvCxnSpPr>
+          <p:spPr>
+            <a:xfrm>
+              <a:off x="3479077" y="5271215"/>
+              <a:ext cx="5340121" cy="428387"/>
+            </a:xfrm>
+            <a:prstGeom prst="straightConnector1">
+              <a:avLst/>
+            </a:prstGeom>
+            <a:ln w="38100">
+              <a:solidFill>
+                <a:srgbClr val="FF0000"/>
+              </a:solidFill>
+              <a:tailEnd type="triangle"/>
+            </a:ln>
+          </p:spPr>
+          <p:style>
+            <a:lnRef idx="1">
+              <a:schemeClr val="accent1"/>
+            </a:lnRef>
+            <a:fillRef idx="0">
+              <a:schemeClr val="accent1"/>
+            </a:fillRef>
+            <a:effectRef idx="0">
+              <a:schemeClr val="accent1"/>
+            </a:effectRef>
+            <a:fontRef idx="minor">
+              <a:schemeClr val="tx1"/>
+            </a:fontRef>
+          </p:style>
+        </p:cxnSp>
+      </p:grpSp>
+    </p:spTree>
+    <p:extLst>
+      <p:ext uri="{BB962C8B-B14F-4D97-AF65-F5344CB8AC3E}">
+        <p14:creationId xmlns:p14="http://schemas.microsoft.com/office/powerpoint/2010/main" val="1789107118"/>
+      </p:ext>
+    </p:extLst>
+  </p:cSld>
+  <p:clrMapOvr>
+    <a:masterClrMapping/>
+  </p:clrMapOvr>
+</p:sld>
+</file>
+
+<file path=ppt/slides/slide12.xml><?xml version="1.0" encoding="utf-8"?>
+<p:sld xmlns:a="http://schemas.openxmlformats.org/drawingml/2006/main" xmlns:r="http://schemas.openxmlformats.org/officeDocument/2006/relationships" xmlns:p="http://schemas.openxmlformats.org/presentationml/2006/main">
+  <p:cSld>
+    <p:spTree>
+      <p:nvGrpSpPr>
+        <p:cNvPr id="1" name=""/>
+        <p:cNvGrpSpPr/>
+        <p:nvPr/>
+      </p:nvGrpSpPr>
+      <p:grpSpPr>
+        <a:xfrm>
+          <a:off x="0" y="0"/>
+          <a:ext cx="0" cy="0"/>
+          <a:chOff x="0" y="0"/>
+          <a:chExt cx="0" cy="0"/>
+        </a:xfrm>
+      </p:grpSpPr>
+      <p:sp>
+        <p:nvSpPr>
+          <p:cNvPr id="2" name="Title 1">
+            <a:extLst>
+              <a:ext uri="{FF2B5EF4-FFF2-40B4-BE49-F238E27FC236}">
+                <a16:creationId xmlns:a16="http://schemas.microsoft.com/office/drawing/2014/main" id="{77DE1D4F-F0A1-F175-F6BD-4E271862782D}"/>
+              </a:ext>
+            </a:extLst>
+          </p:cNvPr>
+          <p:cNvSpPr>
+            <a:spLocks noGrp="1"/>
+          </p:cNvSpPr>
+          <p:nvPr>
+            <p:ph type="title"/>
+          </p:nvPr>
+        </p:nvSpPr>
+        <p:spPr>
+          <a:xfrm>
+            <a:off x="0" y="9207"/>
+            <a:ext cx="10515600" cy="454025"/>
+          </a:xfrm>
+        </p:spPr>
+        <p:txBody>
+          <a:bodyPr>
+            <a:normAutofit fontScale="90000"/>
+          </a:bodyPr>
+          <a:lstStyle/>
+          <a:p>
+            <a:r>
+              <a:rPr lang="en-US" dirty="0"/>
+              <a:t>How to use </a:t>
+            </a:r>
+            <a:r>
+              <a:rPr lang="en-US" dirty="0" err="1"/>
+              <a:t>combinato</a:t>
+            </a:r>
+            <a:r>
+              <a:rPr lang="en-US" dirty="0"/>
               <a:t> with </a:t>
             </a:r>
             <a:r>
@@ -4436,13 +4896,20 @@
         </p:spPr>
         <p:txBody>
           <a:bodyPr>
-            <a:normAutofit fontScale="92500" lnSpcReduction="20000"/>
+            <a:normAutofit fontScale="85000" lnSpcReduction="20000"/>
           </a:bodyPr>
           <a:lstStyle/>
           <a:p>
             <a:r>
               <a:rPr lang="en-US" dirty="0"/>
-              <a:t>In anaconda, navigate to the data folder containing NS5 files cd D:\h5data</a:t>
+              <a:t>In anaconda, navigate to the data folder containing NS5 files </a:t>
+            </a:r>
+          </a:p>
+          <a:p>
+            <a:pPr lvl="1"/>
+            <a:r>
+              <a:rPr lang="en-US" dirty="0"/>
+              <a:t>cd D:\h5data</a:t>
             </a:r>
           </a:p>
           <a:p>
@@ -4520,19 +4987,7 @@
             </a:r>
             <a:r>
               <a:rPr lang="en-US" dirty="0"/>
-              <a:t> attention --</a:t>
-            </a:r>
-            <a:r>
-              <a:rPr lang="en-US" dirty="0">
-                <a:solidFill>
-                  <a:srgbClr val="C00000"/>
-                </a:solidFill>
-              </a:rPr>
-              <a:t>ns5file</a:t>
-            </a:r>
-            <a:r>
-              <a:rPr lang="en-US" dirty="0"/>
-              <a:t> 20220427-113238-001.ns5</a:t>
+              <a:t> attention</a:t>
             </a:r>
           </a:p>
           <a:p>
@@ -5412,7 +5867,40 @@
             </a:pPr>
             <a:r>
               <a:rPr lang="en-US" dirty="0"/>
-              <a:t>so that they look like this  </a:t>
+              <a:t>so that they look like this </a:t>
+            </a:r>
+          </a:p>
+          <a:p>
+            <a:pPr marL="0" indent="0">
+              <a:buNone/>
+            </a:pPr>
+            <a:endParaRPr lang="en-US" dirty="0"/>
+          </a:p>
+          <a:p>
+            <a:pPr marL="0" indent="0">
+              <a:buNone/>
+            </a:pPr>
+            <a:endParaRPr lang="en-US" dirty="0"/>
+          </a:p>
+          <a:p>
+            <a:pPr marL="0" indent="0">
+              <a:buNone/>
+            </a:pPr>
+            <a:endParaRPr lang="en-US" dirty="0"/>
+          </a:p>
+          <a:p>
+            <a:pPr marL="0" indent="0">
+              <a:buNone/>
+            </a:pPr>
+            <a:endParaRPr lang="en-US" dirty="0"/>
+          </a:p>
+          <a:p>
+            <a:pPr marL="0" indent="0">
+              <a:buNone/>
+            </a:pPr>
+            <a:r>
+              <a:rPr lang="en-US" dirty="0"/>
+              <a:t> </a:t>
             </a:r>
           </a:p>
         </p:txBody>
@@ -5447,6 +5935,100 @@
           </a:prstGeom>
         </p:spPr>
       </p:pic>
+      <p:sp>
+        <p:nvSpPr>
+          <p:cNvPr id="8" name="Rectangle 4">
+            <a:extLst>
+              <a:ext uri="{FF2B5EF4-FFF2-40B4-BE49-F238E27FC236}">
+                <a16:creationId xmlns:a16="http://schemas.microsoft.com/office/drawing/2014/main" id="{7288D4E9-E844-E6D8-605A-45F12DEE8842}"/>
+              </a:ext>
+            </a:extLst>
+          </p:cNvPr>
+          <p:cNvSpPr>
+            <a:spLocks noChangeArrowheads="1"/>
+          </p:cNvSpPr>
+          <p:nvPr/>
+        </p:nvSpPr>
+        <p:spPr bwMode="auto">
+          <a:xfrm>
+            <a:off x="0" y="-184666"/>
+            <a:ext cx="184731" cy="369332"/>
+          </a:xfrm>
+          <a:prstGeom prst="rect">
+            <a:avLst/>
+          </a:prstGeom>
+          <a:noFill/>
+          <a:ln>
+            <a:noFill/>
+          </a:ln>
+          <a:effectLst/>
+          <a:extLst>
+            <a:ext uri="{909E8E84-426E-40DD-AFC4-6F175D3DCCD1}">
+              <a14:hiddenFill xmlns:a14="http://schemas.microsoft.com/office/drawing/2010/main">
+                <a:solidFill>
+                  <a:schemeClr val="accent1"/>
+                </a:solidFill>
+              </a14:hiddenFill>
+            </a:ext>
+            <a:ext uri="{91240B29-F687-4F45-9708-019B960494DF}">
+              <a14:hiddenLine xmlns:a14="http://schemas.microsoft.com/office/drawing/2010/main" w="9525">
+                <a:solidFill>
+                  <a:schemeClr val="tx1"/>
+                </a:solidFill>
+                <a:miter lim="800000"/>
+                <a:headEnd/>
+                <a:tailEnd/>
+              </a14:hiddenLine>
+            </a:ext>
+            <a:ext uri="{AF507438-7753-43E0-B8FC-AC1667EBCBE1}">
+              <a14:hiddenEffects xmlns:a14="http://schemas.microsoft.com/office/drawing/2010/main">
+                <a:effectLst>
+                  <a:outerShdw dist="35921" dir="2700000" algn="ctr" rotWithShape="0">
+                    <a:schemeClr val="bg2"/>
+                  </a:outerShdw>
+                </a:effectLst>
+              </a14:hiddenEffects>
+            </a:ext>
+          </a:extLst>
+        </p:spPr>
+        <p:txBody>
+          <a:bodyPr vert="horz" wrap="none" lIns="91440" tIns="45720" rIns="91440" bIns="45720" numCol="1" anchor="ctr" anchorCtr="0" compatLnSpc="1">
+            <a:prstTxWarp prst="textNoShape">
+              <a:avLst/>
+            </a:prstTxWarp>
+            <a:spAutoFit/>
+          </a:bodyPr>
+          <a:lstStyle/>
+          <a:p>
+            <a:pPr marL="0" marR="0" lvl="0" indent="0" algn="l" defTabSz="914400" rtl="0" eaLnBrk="0" fontAlgn="base" latinLnBrk="0" hangingPunct="0">
+              <a:lnSpc>
+                <a:spcPct val="100000"/>
+              </a:lnSpc>
+              <a:spcBef>
+                <a:spcPct val="0"/>
+              </a:spcBef>
+              <a:spcAft>
+                <a:spcPct val="0"/>
+              </a:spcAft>
+              <a:buClrTx/>
+              <a:buSzTx/>
+              <a:buFontTx/>
+              <a:buNone/>
+              <a:tabLst/>
+            </a:pPr>
+            <a:endParaRPr kumimoji="0" lang="en-US" altLang="en-US" sz="1800" b="0" i="0" u="none" strike="noStrike" cap="none" normalizeH="0" baseline="0" dirty="0">
+              <a:ln>
+                <a:noFill/>
+              </a:ln>
+              <a:solidFill>
+                <a:schemeClr val="tx1"/>
+              </a:solidFill>
+              <a:effectLst/>
+              <a:latin typeface="Arial" panose="020B0604020202020204" pitchFamily="34" charset="0"/>
+            </a:endParaRPr>
+          </a:p>
+        </p:txBody>
+      </p:sp>
     </p:spTree>
     <p:extLst>
       <p:ext uri="{BB962C8B-B14F-4D97-AF65-F5344CB8AC3E}">
@@ -5461,6 +6043,359 @@
 </file>
 
 <file path=ppt/slides/slide7.xml><?xml version="1.0" encoding="utf-8"?>
+<p:sld xmlns:a="http://schemas.openxmlformats.org/drawingml/2006/main" xmlns:r="http://schemas.openxmlformats.org/officeDocument/2006/relationships" xmlns:p="http://schemas.openxmlformats.org/presentationml/2006/main">
+  <p:cSld>
+    <p:spTree>
+      <p:nvGrpSpPr>
+        <p:cNvPr id="1" name=""/>
+        <p:cNvGrpSpPr/>
+        <p:nvPr/>
+      </p:nvGrpSpPr>
+      <p:grpSpPr>
+        <a:xfrm>
+          <a:off x="0" y="0"/>
+          <a:ext cx="0" cy="0"/>
+          <a:chOff x="0" y="0"/>
+          <a:chExt cx="0" cy="0"/>
+        </a:xfrm>
+      </p:grpSpPr>
+      <p:sp>
+        <p:nvSpPr>
+          <p:cNvPr id="2" name="Title 1">
+            <a:extLst>
+              <a:ext uri="{FF2B5EF4-FFF2-40B4-BE49-F238E27FC236}">
+                <a16:creationId xmlns:a16="http://schemas.microsoft.com/office/drawing/2014/main" id="{4046BA00-9730-7B38-6323-306ADDE2553B}"/>
+              </a:ext>
+            </a:extLst>
+          </p:cNvPr>
+          <p:cNvSpPr>
+            <a:spLocks noGrp="1"/>
+          </p:cNvSpPr>
+          <p:nvPr>
+            <p:ph type="title"/>
+          </p:nvPr>
+        </p:nvSpPr>
+        <p:spPr/>
+        <p:txBody>
+          <a:bodyPr/>
+          <a:lstStyle/>
+          <a:p>
+            <a:r>
+              <a:rPr lang="en-US" dirty="0"/>
+              <a:t>Add </a:t>
+            </a:r>
+            <a:r>
+              <a:rPr lang="en-US" dirty="0" err="1"/>
+              <a:t>combinato</a:t>
+            </a:r>
+            <a:r>
+              <a:rPr lang="en-US" dirty="0"/>
+              <a:t> to Python search path</a:t>
+            </a:r>
+          </a:p>
+        </p:txBody>
+      </p:sp>
+      <p:sp>
+        <p:nvSpPr>
+          <p:cNvPr id="3" name="Content Placeholder 2">
+            <a:extLst>
+              <a:ext uri="{FF2B5EF4-FFF2-40B4-BE49-F238E27FC236}">
+                <a16:creationId xmlns:a16="http://schemas.microsoft.com/office/drawing/2014/main" id="{B3D7EBAD-CD25-4088-3EF1-EC36C52568C6}"/>
+              </a:ext>
+            </a:extLst>
+          </p:cNvPr>
+          <p:cNvSpPr>
+            <a:spLocks noGrp="1"/>
+          </p:cNvSpPr>
+          <p:nvPr>
+            <p:ph idx="1"/>
+          </p:nvPr>
+        </p:nvSpPr>
+        <p:spPr/>
+        <p:txBody>
+          <a:bodyPr/>
+          <a:lstStyle/>
+          <a:p>
+            <a:r>
+              <a:rPr lang="en-US" dirty="0"/>
+              <a:t>Open Advanced Settings</a:t>
+            </a:r>
+          </a:p>
+          <a:p>
+            <a:r>
+              <a:rPr lang="en-US" dirty="0"/>
+              <a:t>Click the </a:t>
+            </a:r>
+            <a:r>
+              <a:rPr lang="en-US" b="1" dirty="0">
+                <a:highlight>
+                  <a:srgbClr val="FFFF00"/>
+                </a:highlight>
+              </a:rPr>
+              <a:t>Environment Variables </a:t>
+            </a:r>
+            <a:r>
+              <a:rPr lang="en-US" dirty="0"/>
+              <a:t>down right</a:t>
+            </a:r>
+          </a:p>
+          <a:p>
+            <a:r>
+              <a:rPr lang="en-US" dirty="0"/>
+              <a:t>Double click </a:t>
+            </a:r>
+            <a:r>
+              <a:rPr lang="en-US" b="1" dirty="0">
+                <a:highlight>
+                  <a:srgbClr val="FFFF00"/>
+                </a:highlight>
+              </a:rPr>
+              <a:t>Path and PYTHONPATH</a:t>
+            </a:r>
+            <a:endParaRPr lang="en-US" dirty="0"/>
+          </a:p>
+          <a:p>
+            <a:r>
+              <a:rPr lang="en-US" dirty="0"/>
+              <a:t>Add the following path, hit OK</a:t>
+            </a:r>
+          </a:p>
+          <a:p>
+            <a:pPr lvl="1"/>
+            <a:r>
+              <a:rPr lang="en-US" dirty="0">
+                <a:solidFill>
+                  <a:srgbClr val="FF0000"/>
+                </a:solidFill>
+              </a:rPr>
+              <a:t>C:\Users\YourUsername\combinato</a:t>
+            </a:r>
+            <a:endParaRPr lang="en-US" dirty="0"/>
+          </a:p>
+          <a:p>
+            <a:pPr lvl="1"/>
+            <a:endParaRPr lang="en-US" b="1" dirty="0">
+              <a:highlight>
+                <a:srgbClr val="FFFF00"/>
+              </a:highlight>
+            </a:endParaRPr>
+          </a:p>
+          <a:p>
+            <a:endParaRPr lang="en-US" dirty="0"/>
+          </a:p>
+          <a:p>
+            <a:endParaRPr lang="en-US" dirty="0"/>
+          </a:p>
+        </p:txBody>
+      </p:sp>
+      <p:pic>
+        <p:nvPicPr>
+          <p:cNvPr id="5" name="Picture 4">
+            <a:extLst>
+              <a:ext uri="{FF2B5EF4-FFF2-40B4-BE49-F238E27FC236}">
+                <a16:creationId xmlns:a16="http://schemas.microsoft.com/office/drawing/2014/main" id="{21C57353-90D5-5AA3-6A51-A7A1CFD2D11C}"/>
+              </a:ext>
+            </a:extLst>
+          </p:cNvPr>
+          <p:cNvPicPr>
+            <a:picLocks noChangeAspect="1"/>
+          </p:cNvPicPr>
+          <p:nvPr/>
+        </p:nvPicPr>
+        <p:blipFill>
+          <a:blip r:embed="rId2"/>
+          <a:stretch>
+            <a:fillRect/>
+          </a:stretch>
+        </p:blipFill>
+        <p:spPr>
+          <a:xfrm>
+            <a:off x="7986423" y="1617867"/>
+            <a:ext cx="2876951" cy="943107"/>
+          </a:xfrm>
+          <a:prstGeom prst="rect">
+            <a:avLst/>
+          </a:prstGeom>
+        </p:spPr>
+      </p:pic>
+      <p:pic>
+        <p:nvPicPr>
+          <p:cNvPr id="9" name="Picture 8">
+            <a:extLst>
+              <a:ext uri="{FF2B5EF4-FFF2-40B4-BE49-F238E27FC236}">
+                <a16:creationId xmlns:a16="http://schemas.microsoft.com/office/drawing/2014/main" id="{FF183443-E668-5BE7-9D66-614992B4495D}"/>
+              </a:ext>
+            </a:extLst>
+          </p:cNvPr>
+          <p:cNvPicPr>
+            <a:picLocks noChangeAspect="1"/>
+          </p:cNvPicPr>
+          <p:nvPr/>
+        </p:nvPicPr>
+        <p:blipFill>
+          <a:blip r:embed="rId3"/>
+          <a:stretch>
+            <a:fillRect/>
+          </a:stretch>
+        </p:blipFill>
+        <p:spPr>
+          <a:xfrm>
+            <a:off x="497308" y="4336576"/>
+            <a:ext cx="3665388" cy="2180906"/>
+          </a:xfrm>
+          <a:prstGeom prst="rect">
+            <a:avLst/>
+          </a:prstGeom>
+        </p:spPr>
+      </p:pic>
+      <p:pic>
+        <p:nvPicPr>
+          <p:cNvPr id="11" name="Picture 10">
+            <a:extLst>
+              <a:ext uri="{FF2B5EF4-FFF2-40B4-BE49-F238E27FC236}">
+                <a16:creationId xmlns:a16="http://schemas.microsoft.com/office/drawing/2014/main" id="{1C9F87AF-FBBA-1920-CC5F-E8FE90D23883}"/>
+              </a:ext>
+            </a:extLst>
+          </p:cNvPr>
+          <p:cNvPicPr>
+            <a:picLocks noChangeAspect="1"/>
+          </p:cNvPicPr>
+          <p:nvPr/>
+        </p:nvPicPr>
+        <p:blipFill>
+          <a:blip r:embed="rId4"/>
+          <a:stretch>
+            <a:fillRect/>
+          </a:stretch>
+        </p:blipFill>
+        <p:spPr>
+          <a:xfrm>
+            <a:off x="5104915" y="4152899"/>
+            <a:ext cx="6954220" cy="2625735"/>
+          </a:xfrm>
+          <a:prstGeom prst="rect">
+            <a:avLst/>
+          </a:prstGeom>
+        </p:spPr>
+      </p:pic>
+      <p:sp>
+        <p:nvSpPr>
+          <p:cNvPr id="12" name="Rectangle 11">
+            <a:extLst>
+              <a:ext uri="{FF2B5EF4-FFF2-40B4-BE49-F238E27FC236}">
+                <a16:creationId xmlns:a16="http://schemas.microsoft.com/office/drawing/2014/main" id="{5BC80003-0A3E-DD88-A242-3B3F5185E8F3}"/>
+              </a:ext>
+            </a:extLst>
+          </p:cNvPr>
+          <p:cNvSpPr/>
+          <p:nvPr/>
+        </p:nvSpPr>
+        <p:spPr>
+          <a:xfrm>
+            <a:off x="5340985" y="5427029"/>
+            <a:ext cx="2225040" cy="246267"/>
+          </a:xfrm>
+          <a:prstGeom prst="rect">
+            <a:avLst/>
+          </a:prstGeom>
+          <a:noFill/>
+          <a:ln w="38100">
+            <a:solidFill>
+              <a:srgbClr val="FF0000"/>
+            </a:solidFill>
+          </a:ln>
+        </p:spPr>
+        <p:style>
+          <a:lnRef idx="2">
+            <a:schemeClr val="accent1">
+              <a:shade val="50000"/>
+            </a:schemeClr>
+          </a:lnRef>
+          <a:fillRef idx="1">
+            <a:schemeClr val="accent1"/>
+          </a:fillRef>
+          <a:effectRef idx="0">
+            <a:schemeClr val="accent1"/>
+          </a:effectRef>
+          <a:fontRef idx="minor">
+            <a:schemeClr val="lt1"/>
+          </a:fontRef>
+        </p:style>
+        <p:txBody>
+          <a:bodyPr rtlCol="0" anchor="ctr"/>
+          <a:lstStyle/>
+          <a:p>
+            <a:pPr algn="ctr"/>
+            <a:endParaRPr lang="en-US"/>
+          </a:p>
+        </p:txBody>
+      </p:sp>
+      <p:sp>
+        <p:nvSpPr>
+          <p:cNvPr id="13" name="Rectangle 12">
+            <a:extLst>
+              <a:ext uri="{FF2B5EF4-FFF2-40B4-BE49-F238E27FC236}">
+                <a16:creationId xmlns:a16="http://schemas.microsoft.com/office/drawing/2014/main" id="{56592D91-54B3-C42B-7BE4-B1F28E8E5B0C}"/>
+              </a:ext>
+            </a:extLst>
+          </p:cNvPr>
+          <p:cNvSpPr/>
+          <p:nvPr/>
+        </p:nvSpPr>
+        <p:spPr>
+          <a:xfrm>
+            <a:off x="650240" y="5506141"/>
+            <a:ext cx="2225040" cy="246267"/>
+          </a:xfrm>
+          <a:prstGeom prst="rect">
+            <a:avLst/>
+          </a:prstGeom>
+          <a:noFill/>
+          <a:ln w="38100">
+            <a:solidFill>
+              <a:srgbClr val="FF0000"/>
+            </a:solidFill>
+          </a:ln>
+        </p:spPr>
+        <p:style>
+          <a:lnRef idx="2">
+            <a:schemeClr val="accent1">
+              <a:shade val="50000"/>
+            </a:schemeClr>
+          </a:lnRef>
+          <a:fillRef idx="1">
+            <a:schemeClr val="accent1"/>
+          </a:fillRef>
+          <a:effectRef idx="0">
+            <a:schemeClr val="accent1"/>
+          </a:effectRef>
+          <a:fontRef idx="minor">
+            <a:schemeClr val="lt1"/>
+          </a:fontRef>
+        </p:style>
+        <p:txBody>
+          <a:bodyPr rtlCol="0" anchor="ctr"/>
+          <a:lstStyle/>
+          <a:p>
+            <a:pPr algn="ctr"/>
+            <a:endParaRPr lang="en-US"/>
+          </a:p>
+        </p:txBody>
+      </p:sp>
+    </p:spTree>
+    <p:extLst>
+      <p:ext uri="{BB962C8B-B14F-4D97-AF65-F5344CB8AC3E}">
+        <p14:creationId xmlns:p14="http://schemas.microsoft.com/office/powerpoint/2010/main" val="679477880"/>
+      </p:ext>
+    </p:extLst>
+  </p:cSld>
+  <p:clrMapOvr>
+    <a:masterClrMapping/>
+  </p:clrMapOvr>
+</p:sld>
+</file>
+
+<file path=ppt/slides/slide8.xml><?xml version="1.0" encoding="utf-8"?>
 <p:sld xmlns:a="http://schemas.openxmlformats.org/drawingml/2006/main" xmlns:r="http://schemas.openxmlformats.org/officeDocument/2006/relationships" xmlns:p="http://schemas.openxmlformats.org/presentationml/2006/main">
   <p:cSld>
     <p:spTree>
@@ -5676,7 +6611,7 @@
 </p:sld>
 </file>
 
-<file path=ppt/slides/slide8.xml><?xml version="1.0" encoding="utf-8"?>
+<file path=ppt/slides/slide9.xml><?xml version="1.0" encoding="utf-8"?>
 <p:sld xmlns:a="http://schemas.openxmlformats.org/drawingml/2006/main" xmlns:r="http://schemas.openxmlformats.org/officeDocument/2006/relationships" xmlns:p="http://schemas.openxmlformats.org/presentationml/2006/main">
   <p:cSld>
     <p:spTree>
@@ -6065,256 +7000,6 @@
     <p:extLst>
       <p:ext uri="{BB962C8B-B14F-4D97-AF65-F5344CB8AC3E}">
         <p14:creationId xmlns:p14="http://schemas.microsoft.com/office/powerpoint/2010/main" val="1488051857"/>
-      </p:ext>
-    </p:extLst>
-  </p:cSld>
-  <p:clrMapOvr>
-    <a:masterClrMapping/>
-  </p:clrMapOvr>
-</p:sld>
-</file>
-
-<file path=ppt/slides/slide9.xml><?xml version="1.0" encoding="utf-8"?>
-<p:sld xmlns:a="http://schemas.openxmlformats.org/drawingml/2006/main" xmlns:r="http://schemas.openxmlformats.org/officeDocument/2006/relationships" xmlns:p="http://schemas.openxmlformats.org/presentationml/2006/main">
-  <p:cSld>
-    <p:bg>
-      <p:bgPr>
-        <a:solidFill>
-          <a:schemeClr val="bg1"/>
-        </a:solidFill>
-        <a:effectLst/>
-      </p:bgPr>
-    </p:bg>
-    <p:spTree>
-      <p:nvGrpSpPr>
-        <p:cNvPr id="1" name=""/>
-        <p:cNvGrpSpPr/>
-        <p:nvPr/>
-      </p:nvGrpSpPr>
-      <p:grpSpPr>
-        <a:xfrm>
-          <a:off x="0" y="0"/>
-          <a:ext cx="0" cy="0"/>
-          <a:chOff x="0" y="0"/>
-          <a:chExt cx="0" cy="0"/>
-        </a:xfrm>
-      </p:grpSpPr>
-      <p:sp>
-        <p:nvSpPr>
-          <p:cNvPr id="10" name="Rectangle 9">
-            <a:extLst>
-              <a:ext uri="{FF2B5EF4-FFF2-40B4-BE49-F238E27FC236}">
-                <a16:creationId xmlns:a16="http://schemas.microsoft.com/office/drawing/2014/main" id="{6753252F-4873-4F63-801D-CC719279A7D5}"/>
-              </a:ext>
-              <a:ext uri="{C183D7F6-B498-43B3-948B-1728B52AA6E4}">
-                <adec:decorative xmlns:adec="http://schemas.microsoft.com/office/drawing/2017/decorative" val="1"/>
-              </a:ext>
-            </a:extLst>
-          </p:cNvPr>
-          <p:cNvSpPr>
-            <a:spLocks noGrp="1" noRot="1" noChangeAspect="1" noMove="1" noResize="1" noEditPoints="1" noAdjustHandles="1" noChangeArrowheads="1" noChangeShapeType="1" noTextEdit="1"/>
-          </p:cNvSpPr>
-          <p:nvPr>
-            <p:extLst>
-              <p:ext uri="{386F3935-93C4-4BCD-93E2-E3B085C9AB24}">
-                <p16:designElem xmlns:p16="http://schemas.microsoft.com/office/powerpoint/2015/main" val="1"/>
-              </p:ext>
-            </p:extLst>
-          </p:nvPr>
-        </p:nvSpPr>
-        <p:spPr>
-          <a:xfrm>
-            <a:off x="0" y="0"/>
-            <a:ext cx="12192000" cy="6858000"/>
-          </a:xfrm>
-          <a:prstGeom prst="rect">
-            <a:avLst/>
-          </a:prstGeom>
-          <a:solidFill>
-            <a:srgbClr val="FFFFFF"/>
-          </a:solidFill>
-          <a:ln>
-            <a:noFill/>
-          </a:ln>
-        </p:spPr>
-        <p:style>
-          <a:lnRef idx="2">
-            <a:schemeClr val="accent1">
-              <a:shade val="50000"/>
-            </a:schemeClr>
-          </a:lnRef>
-          <a:fillRef idx="1">
-            <a:schemeClr val="accent1"/>
-          </a:fillRef>
-          <a:effectRef idx="0">
-            <a:schemeClr val="accent1"/>
-          </a:effectRef>
-          <a:fontRef idx="minor">
-            <a:schemeClr val="lt1"/>
-          </a:fontRef>
-        </p:style>
-        <p:txBody>
-          <a:bodyPr rtlCol="0" anchor="ctr"/>
-          <a:lstStyle/>
-          <a:p>
-            <a:pPr algn="ctr"/>
-            <a:endParaRPr lang="en-US"/>
-          </a:p>
-        </p:txBody>
-      </p:sp>
-      <p:sp>
-        <p:nvSpPr>
-          <p:cNvPr id="12" name="Rectangle 11">
-            <a:extLst>
-              <a:ext uri="{FF2B5EF4-FFF2-40B4-BE49-F238E27FC236}">
-                <a16:creationId xmlns:a16="http://schemas.microsoft.com/office/drawing/2014/main" id="{047C8CCB-F95D-4249-92DD-651249D3535A}"/>
-              </a:ext>
-              <a:ext uri="{C183D7F6-B498-43B3-948B-1728B52AA6E4}">
-                <adec:decorative xmlns:adec="http://schemas.microsoft.com/office/drawing/2017/decorative" val="1"/>
-              </a:ext>
-            </a:extLst>
-          </p:cNvPr>
-          <p:cNvSpPr>
-            <a:spLocks noGrp="1" noRot="1" noChangeAspect="1" noMove="1" noResize="1" noEditPoints="1" noAdjustHandles="1" noChangeArrowheads="1" noChangeShapeType="1" noTextEdit="1"/>
-          </p:cNvSpPr>
-          <p:nvPr>
-            <p:extLst>
-              <p:ext uri="{386F3935-93C4-4BCD-93E2-E3B085C9AB24}">
-                <p16:designElem xmlns:p16="http://schemas.microsoft.com/office/powerpoint/2015/main" val="1"/>
-              </p:ext>
-            </p:extLst>
-          </p:nvPr>
-        </p:nvSpPr>
-        <p:spPr>
-          <a:xfrm>
-            <a:off x="0" y="0"/>
-            <a:ext cx="2013557" cy="6858000"/>
-          </a:xfrm>
-          <a:prstGeom prst="rect">
-            <a:avLst/>
-          </a:prstGeom>
-          <a:solidFill>
-            <a:srgbClr val="496167"/>
-          </a:solidFill>
-          <a:ln>
-            <a:noFill/>
-          </a:ln>
-        </p:spPr>
-        <p:style>
-          <a:lnRef idx="2">
-            <a:schemeClr val="accent1">
-              <a:shade val="50000"/>
-            </a:schemeClr>
-          </a:lnRef>
-          <a:fillRef idx="1">
-            <a:schemeClr val="accent1"/>
-          </a:fillRef>
-          <a:effectRef idx="0">
-            <a:schemeClr val="accent1"/>
-          </a:effectRef>
-          <a:fontRef idx="minor">
-            <a:schemeClr val="lt1"/>
-          </a:fontRef>
-        </p:style>
-        <p:txBody>
-          <a:bodyPr rtlCol="0" anchor="ctr"/>
-          <a:lstStyle/>
-          <a:p>
-            <a:pPr algn="ctr"/>
-            <a:endParaRPr lang="en-US"/>
-          </a:p>
-        </p:txBody>
-      </p:sp>
-      <p:sp>
-        <p:nvSpPr>
-          <p:cNvPr id="2" name="Title 1">
-            <a:extLst>
-              <a:ext uri="{FF2B5EF4-FFF2-40B4-BE49-F238E27FC236}">
-                <a16:creationId xmlns:a16="http://schemas.microsoft.com/office/drawing/2014/main" id="{061CFCA6-0935-0A5C-2944-CDB73E07C856}"/>
-              </a:ext>
-            </a:extLst>
-          </p:cNvPr>
-          <p:cNvSpPr>
-            <a:spLocks noGrp="1"/>
-          </p:cNvSpPr>
-          <p:nvPr>
-            <p:ph type="title"/>
-          </p:nvPr>
-        </p:nvSpPr>
-        <p:spPr>
-          <a:xfrm>
-            <a:off x="640080" y="2074363"/>
-            <a:ext cx="2752354" cy="2709275"/>
-          </a:xfrm>
-          <a:prstGeom prst="ellipse">
-            <a:avLst/>
-          </a:prstGeom>
-          <a:solidFill>
-            <a:srgbClr val="262626"/>
-          </a:solidFill>
-          <a:ln w="174625" cmpd="thinThick">
-            <a:solidFill>
-              <a:srgbClr val="262626"/>
-            </a:solidFill>
-          </a:ln>
-        </p:spPr>
-        <p:txBody>
-          <a:bodyPr vert="horz" lIns="91440" tIns="45720" rIns="91440" bIns="45720" rtlCol="0" anchor="ctr">
-            <a:normAutofit/>
-          </a:bodyPr>
-          <a:lstStyle/>
-          <a:p>
-            <a:pPr algn="ctr"/>
-            <a:r>
-              <a:rPr lang="en-US" sz="2600" kern="1200">
-                <a:solidFill>
-                  <a:srgbClr val="FFFFFF"/>
-                </a:solidFill>
-                <a:latin typeface="+mj-lt"/>
-                <a:ea typeface="+mj-ea"/>
-                <a:cs typeface="+mj-cs"/>
-              </a:rPr>
-              <a:t>Raster plots</a:t>
-            </a:r>
-          </a:p>
-        </p:txBody>
-      </p:sp>
-      <p:pic>
-        <p:nvPicPr>
-          <p:cNvPr id="5" name="Content Placeholder 4">
-            <a:extLst>
-              <a:ext uri="{FF2B5EF4-FFF2-40B4-BE49-F238E27FC236}">
-                <a16:creationId xmlns:a16="http://schemas.microsoft.com/office/drawing/2014/main" id="{67FE8ACC-D058-EFFF-B628-4951C9723FE8}"/>
-              </a:ext>
-            </a:extLst>
-          </p:cNvPr>
-          <p:cNvPicPr>
-            <a:picLocks noGrp="1" noChangeAspect="1"/>
-          </p:cNvPicPr>
-          <p:nvPr>
-            <p:ph idx="1"/>
-          </p:nvPr>
-        </p:nvPicPr>
-        <p:blipFill>
-          <a:blip r:embed="rId2"/>
-          <a:stretch>
-            <a:fillRect/>
-          </a:stretch>
-        </p:blipFill>
-        <p:spPr>
-          <a:xfrm>
-            <a:off x="4038600" y="1540404"/>
-            <a:ext cx="7188199" cy="3773803"/>
-          </a:xfrm>
-          <a:prstGeom prst="rect">
-            <a:avLst/>
-          </a:prstGeom>
-        </p:spPr>
-      </p:pic>
-    </p:spTree>
-    <p:extLst>
-      <p:ext uri="{BB962C8B-B14F-4D97-AF65-F5344CB8AC3E}">
-        <p14:creationId xmlns:p14="http://schemas.microsoft.com/office/powerpoint/2010/main" val="510326212"/>
       </p:ext>
     </p:extLst>
   </p:cSld>

--- a/Win10_install_combinato.pptx
+++ b/Win10_install_combinato.pptx
@@ -133,84 +133,6 @@
 
 <file path=ppt/changesInfos/changesInfo1.xml><?xml version="1.0" encoding="utf-8"?>
 <pc:chgInfo xmlns:a="http://schemas.openxmlformats.org/drawingml/2006/main" xmlns:r="http://schemas.openxmlformats.org/officeDocument/2006/relationships" xmlns:ac="http://schemas.microsoft.com/office/drawing/2013/main/command" xmlns:pc="http://schemas.microsoft.com/office/powerpoint/2013/main/command">
-  <pc:docChgLst>
-    <pc:chgData name="Liang, Mingli" userId="aa9d3a45-4ecd-477e-91f3-db58cc3a88ab" providerId="ADAL" clId="{BAAFFC72-756C-4785-84AB-BB183E3344F5}"/>
-    <pc:docChg chg="undo custSel addSld modSld">
-      <pc:chgData name="Liang, Mingli" userId="aa9d3a45-4ecd-477e-91f3-db58cc3a88ab" providerId="ADAL" clId="{BAAFFC72-756C-4785-84AB-BB183E3344F5}" dt="2022-06-10T18:16:51.141" v="59" actId="20577"/>
-      <pc:docMkLst>
-        <pc:docMk/>
-      </pc:docMkLst>
-      <pc:sldChg chg="modSp mod">
-        <pc:chgData name="Liang, Mingli" userId="aa9d3a45-4ecd-477e-91f3-db58cc3a88ab" providerId="ADAL" clId="{BAAFFC72-756C-4785-84AB-BB183E3344F5}" dt="2022-06-09T17:40:56.244" v="4"/>
-        <pc:sldMkLst>
-          <pc:docMk/>
-          <pc:sldMk cId="3605041188" sldId="260"/>
-        </pc:sldMkLst>
-        <pc:spChg chg="mod">
-          <ac:chgData name="Liang, Mingli" userId="aa9d3a45-4ecd-477e-91f3-db58cc3a88ab" providerId="ADAL" clId="{BAAFFC72-756C-4785-84AB-BB183E3344F5}" dt="2022-06-09T17:40:56.244" v="4"/>
-          <ac:spMkLst>
-            <pc:docMk/>
-            <pc:sldMk cId="3605041188" sldId="260"/>
-            <ac:spMk id="3" creationId="{86710A47-81B9-4024-A273-8935169A0C2B}"/>
-          </ac:spMkLst>
-        </pc:spChg>
-      </pc:sldChg>
-      <pc:sldChg chg="addSp delSp modSp mod">
-        <pc:chgData name="Liang, Mingli" userId="aa9d3a45-4ecd-477e-91f3-db58cc3a88ab" providerId="ADAL" clId="{BAAFFC72-756C-4785-84AB-BB183E3344F5}" dt="2022-06-10T18:16:51.141" v="59" actId="20577"/>
-        <pc:sldMkLst>
-          <pc:docMk/>
-          <pc:sldMk cId="1897962578" sldId="261"/>
-        </pc:sldMkLst>
-        <pc:spChg chg="mod">
-          <ac:chgData name="Liang, Mingli" userId="aa9d3a45-4ecd-477e-91f3-db58cc3a88ab" providerId="ADAL" clId="{BAAFFC72-756C-4785-84AB-BB183E3344F5}" dt="2022-06-10T18:16:51.141" v="59" actId="20577"/>
-          <ac:spMkLst>
-            <pc:docMk/>
-            <pc:sldMk cId="1897962578" sldId="261"/>
-            <ac:spMk id="3" creationId="{76D0134B-E307-4B97-AD60-9A7143881CA0}"/>
-          </ac:spMkLst>
-        </pc:spChg>
-        <pc:spChg chg="add del">
-          <ac:chgData name="Liang, Mingli" userId="aa9d3a45-4ecd-477e-91f3-db58cc3a88ab" providerId="ADAL" clId="{BAAFFC72-756C-4785-84AB-BB183E3344F5}" dt="2022-06-09T17:41:18.521" v="31"/>
-          <ac:spMkLst>
-            <pc:docMk/>
-            <pc:sldMk cId="1897962578" sldId="261"/>
-            <ac:spMk id="4" creationId="{A0CA804D-275B-4A09-9A33-285C8EA173D4}"/>
-          </ac:spMkLst>
-        </pc:spChg>
-      </pc:sldChg>
-      <pc:sldChg chg="addSp delSp modSp new mod">
-        <pc:chgData name="Liang, Mingli" userId="aa9d3a45-4ecd-477e-91f3-db58cc3a88ab" providerId="ADAL" clId="{BAAFFC72-756C-4785-84AB-BB183E3344F5}" dt="2022-06-09T17:54:09.378" v="58"/>
-        <pc:sldMkLst>
-          <pc:docMk/>
-          <pc:sldMk cId="1971509557" sldId="262"/>
-        </pc:sldMkLst>
-        <pc:spChg chg="mod">
-          <ac:chgData name="Liang, Mingli" userId="aa9d3a45-4ecd-477e-91f3-db58cc3a88ab" providerId="ADAL" clId="{BAAFFC72-756C-4785-84AB-BB183E3344F5}" dt="2022-06-09T17:54:05.908" v="54" actId="20577"/>
-          <ac:spMkLst>
-            <pc:docMk/>
-            <pc:sldMk cId="1971509557" sldId="262"/>
-            <ac:spMk id="2" creationId="{12981273-AACF-4D3D-A67D-3F519E8F4147}"/>
-          </ac:spMkLst>
-        </pc:spChg>
-        <pc:spChg chg="add del mod">
-          <ac:chgData name="Liang, Mingli" userId="aa9d3a45-4ecd-477e-91f3-db58cc3a88ab" providerId="ADAL" clId="{BAAFFC72-756C-4785-84AB-BB183E3344F5}" dt="2022-06-09T17:54:09.378" v="58"/>
-          <ac:spMkLst>
-            <pc:docMk/>
-            <pc:sldMk cId="1971509557" sldId="262"/>
-            <ac:spMk id="3" creationId="{39222FE5-F9F1-41F1-ABD7-9D403B0DE3D4}"/>
-          </ac:spMkLst>
-        </pc:spChg>
-        <pc:spChg chg="add del mod">
-          <ac:chgData name="Liang, Mingli" userId="aa9d3a45-4ecd-477e-91f3-db58cc3a88ab" providerId="ADAL" clId="{BAAFFC72-756C-4785-84AB-BB183E3344F5}" dt="2022-06-09T17:54:09.347" v="56"/>
-          <ac:spMkLst>
-            <pc:docMk/>
-            <pc:sldMk cId="1971509557" sldId="262"/>
-            <ac:spMk id="4" creationId="{15E8E811-989F-460E-921C-E876A56001C7}"/>
-          </ac:spMkLst>
-        </pc:spChg>
-      </pc:sldChg>
-    </pc:docChg>
-  </pc:docChgLst>
   <pc:docChgLst>
     <pc:chgData name="Liang, Mingli" userId="aa9d3a45-4ecd-477e-91f3-db58cc3a88ab" providerId="ADAL" clId="{D52D8EC0-1EFB-49EE-A7FD-D823B94A4F10}"/>
     <pc:docChg chg="undo custSel addSld delSld modSld">
@@ -831,6 +753,84 @@
       </pc:sldChg>
     </pc:docChg>
   </pc:docChgLst>
+  <pc:docChgLst>
+    <pc:chgData name="Liang, Mingli" userId="aa9d3a45-4ecd-477e-91f3-db58cc3a88ab" providerId="ADAL" clId="{BAAFFC72-756C-4785-84AB-BB183E3344F5}"/>
+    <pc:docChg chg="undo custSel addSld modSld">
+      <pc:chgData name="Liang, Mingli" userId="aa9d3a45-4ecd-477e-91f3-db58cc3a88ab" providerId="ADAL" clId="{BAAFFC72-756C-4785-84AB-BB183E3344F5}" dt="2022-06-10T18:16:51.141" v="59" actId="20577"/>
+      <pc:docMkLst>
+        <pc:docMk/>
+      </pc:docMkLst>
+      <pc:sldChg chg="modSp mod">
+        <pc:chgData name="Liang, Mingli" userId="aa9d3a45-4ecd-477e-91f3-db58cc3a88ab" providerId="ADAL" clId="{BAAFFC72-756C-4785-84AB-BB183E3344F5}" dt="2022-06-09T17:40:56.244" v="4"/>
+        <pc:sldMkLst>
+          <pc:docMk/>
+          <pc:sldMk cId="3605041188" sldId="260"/>
+        </pc:sldMkLst>
+        <pc:spChg chg="mod">
+          <ac:chgData name="Liang, Mingli" userId="aa9d3a45-4ecd-477e-91f3-db58cc3a88ab" providerId="ADAL" clId="{BAAFFC72-756C-4785-84AB-BB183E3344F5}" dt="2022-06-09T17:40:56.244" v="4"/>
+          <ac:spMkLst>
+            <pc:docMk/>
+            <pc:sldMk cId="3605041188" sldId="260"/>
+            <ac:spMk id="3" creationId="{86710A47-81B9-4024-A273-8935169A0C2B}"/>
+          </ac:spMkLst>
+        </pc:spChg>
+      </pc:sldChg>
+      <pc:sldChg chg="addSp delSp modSp mod">
+        <pc:chgData name="Liang, Mingli" userId="aa9d3a45-4ecd-477e-91f3-db58cc3a88ab" providerId="ADAL" clId="{BAAFFC72-756C-4785-84AB-BB183E3344F5}" dt="2022-06-10T18:16:51.141" v="59" actId="20577"/>
+        <pc:sldMkLst>
+          <pc:docMk/>
+          <pc:sldMk cId="1897962578" sldId="261"/>
+        </pc:sldMkLst>
+        <pc:spChg chg="mod">
+          <ac:chgData name="Liang, Mingli" userId="aa9d3a45-4ecd-477e-91f3-db58cc3a88ab" providerId="ADAL" clId="{BAAFFC72-756C-4785-84AB-BB183E3344F5}" dt="2022-06-10T18:16:51.141" v="59" actId="20577"/>
+          <ac:spMkLst>
+            <pc:docMk/>
+            <pc:sldMk cId="1897962578" sldId="261"/>
+            <ac:spMk id="3" creationId="{76D0134B-E307-4B97-AD60-9A7143881CA0}"/>
+          </ac:spMkLst>
+        </pc:spChg>
+        <pc:spChg chg="add del">
+          <ac:chgData name="Liang, Mingli" userId="aa9d3a45-4ecd-477e-91f3-db58cc3a88ab" providerId="ADAL" clId="{BAAFFC72-756C-4785-84AB-BB183E3344F5}" dt="2022-06-09T17:41:18.521" v="31"/>
+          <ac:spMkLst>
+            <pc:docMk/>
+            <pc:sldMk cId="1897962578" sldId="261"/>
+            <ac:spMk id="4" creationId="{A0CA804D-275B-4A09-9A33-285C8EA173D4}"/>
+          </ac:spMkLst>
+        </pc:spChg>
+      </pc:sldChg>
+      <pc:sldChg chg="addSp delSp modSp new mod">
+        <pc:chgData name="Liang, Mingli" userId="aa9d3a45-4ecd-477e-91f3-db58cc3a88ab" providerId="ADAL" clId="{BAAFFC72-756C-4785-84AB-BB183E3344F5}" dt="2022-06-09T17:54:09.378" v="58"/>
+        <pc:sldMkLst>
+          <pc:docMk/>
+          <pc:sldMk cId="1971509557" sldId="262"/>
+        </pc:sldMkLst>
+        <pc:spChg chg="mod">
+          <ac:chgData name="Liang, Mingli" userId="aa9d3a45-4ecd-477e-91f3-db58cc3a88ab" providerId="ADAL" clId="{BAAFFC72-756C-4785-84AB-BB183E3344F5}" dt="2022-06-09T17:54:05.908" v="54" actId="20577"/>
+          <ac:spMkLst>
+            <pc:docMk/>
+            <pc:sldMk cId="1971509557" sldId="262"/>
+            <ac:spMk id="2" creationId="{12981273-AACF-4D3D-A67D-3F519E8F4147}"/>
+          </ac:spMkLst>
+        </pc:spChg>
+        <pc:spChg chg="add del mod">
+          <ac:chgData name="Liang, Mingli" userId="aa9d3a45-4ecd-477e-91f3-db58cc3a88ab" providerId="ADAL" clId="{BAAFFC72-756C-4785-84AB-BB183E3344F5}" dt="2022-06-09T17:54:09.378" v="58"/>
+          <ac:spMkLst>
+            <pc:docMk/>
+            <pc:sldMk cId="1971509557" sldId="262"/>
+            <ac:spMk id="3" creationId="{39222FE5-F9F1-41F1-ABD7-9D403B0DE3D4}"/>
+          </ac:spMkLst>
+        </pc:spChg>
+        <pc:spChg chg="add del mod">
+          <ac:chgData name="Liang, Mingli" userId="aa9d3a45-4ecd-477e-91f3-db58cc3a88ab" providerId="ADAL" clId="{BAAFFC72-756C-4785-84AB-BB183E3344F5}" dt="2022-06-09T17:54:09.347" v="56"/>
+          <ac:spMkLst>
+            <pc:docMk/>
+            <pc:sldMk cId="1971509557" sldId="262"/>
+            <ac:spMk id="4" creationId="{15E8E811-989F-460E-921C-E876A56001C7}"/>
+          </ac:spMkLst>
+        </pc:spChg>
+      </pc:sldChg>
+    </pc:docChg>
+  </pc:docChgLst>
 </pc:chgInfo>
 </file>
 
@@ -981,7 +981,7 @@
           <a:p>
             <a:fld id="{6C792A13-F6F3-43BC-853F-11696B7B252D}" type="datetimeFigureOut">
               <a:rPr lang="en-US" smtClean="0"/>
-              <a:t>7/12/2022</a:t>
+              <a:t>8/25/2022</a:t>
             </a:fld>
             <a:endParaRPr lang="en-US"/>
           </a:p>
@@ -1179,7 +1179,7 @@
           <a:p>
             <a:fld id="{6C792A13-F6F3-43BC-853F-11696B7B252D}" type="datetimeFigureOut">
               <a:rPr lang="en-US" smtClean="0"/>
-              <a:t>7/12/2022</a:t>
+              <a:t>8/25/2022</a:t>
             </a:fld>
             <a:endParaRPr lang="en-US"/>
           </a:p>
@@ -1387,7 +1387,7 @@
           <a:p>
             <a:fld id="{6C792A13-F6F3-43BC-853F-11696B7B252D}" type="datetimeFigureOut">
               <a:rPr lang="en-US" smtClean="0"/>
-              <a:t>7/12/2022</a:t>
+              <a:t>8/25/2022</a:t>
             </a:fld>
             <a:endParaRPr lang="en-US"/>
           </a:p>
@@ -1585,7 +1585,7 @@
           <a:p>
             <a:fld id="{6C792A13-F6F3-43BC-853F-11696B7B252D}" type="datetimeFigureOut">
               <a:rPr lang="en-US" smtClean="0"/>
-              <a:t>7/12/2022</a:t>
+              <a:t>8/25/2022</a:t>
             </a:fld>
             <a:endParaRPr lang="en-US"/>
           </a:p>
@@ -1860,7 +1860,7 @@
           <a:p>
             <a:fld id="{6C792A13-F6F3-43BC-853F-11696B7B252D}" type="datetimeFigureOut">
               <a:rPr lang="en-US" smtClean="0"/>
-              <a:t>7/12/2022</a:t>
+              <a:t>8/25/2022</a:t>
             </a:fld>
             <a:endParaRPr lang="en-US"/>
           </a:p>
@@ -2125,7 +2125,7 @@
           <a:p>
             <a:fld id="{6C792A13-F6F3-43BC-853F-11696B7B252D}" type="datetimeFigureOut">
               <a:rPr lang="en-US" smtClean="0"/>
-              <a:t>7/12/2022</a:t>
+              <a:t>8/25/2022</a:t>
             </a:fld>
             <a:endParaRPr lang="en-US"/>
           </a:p>
@@ -2537,7 +2537,7 @@
           <a:p>
             <a:fld id="{6C792A13-F6F3-43BC-853F-11696B7B252D}" type="datetimeFigureOut">
               <a:rPr lang="en-US" smtClean="0"/>
-              <a:t>7/12/2022</a:t>
+              <a:t>8/25/2022</a:t>
             </a:fld>
             <a:endParaRPr lang="en-US"/>
           </a:p>
@@ -2678,7 +2678,7 @@
           <a:p>
             <a:fld id="{6C792A13-F6F3-43BC-853F-11696B7B252D}" type="datetimeFigureOut">
               <a:rPr lang="en-US" smtClean="0"/>
-              <a:t>7/12/2022</a:t>
+              <a:t>8/25/2022</a:t>
             </a:fld>
             <a:endParaRPr lang="en-US"/>
           </a:p>
@@ -2791,7 +2791,7 @@
           <a:p>
             <a:fld id="{6C792A13-F6F3-43BC-853F-11696B7B252D}" type="datetimeFigureOut">
               <a:rPr lang="en-US" smtClean="0"/>
-              <a:t>7/12/2022</a:t>
+              <a:t>8/25/2022</a:t>
             </a:fld>
             <a:endParaRPr lang="en-US"/>
           </a:p>
@@ -3102,7 +3102,7 @@
           <a:p>
             <a:fld id="{6C792A13-F6F3-43BC-853F-11696B7B252D}" type="datetimeFigureOut">
               <a:rPr lang="en-US" smtClean="0"/>
-              <a:t>7/12/2022</a:t>
+              <a:t>8/25/2022</a:t>
             </a:fld>
             <a:endParaRPr lang="en-US"/>
           </a:p>
@@ -3390,7 +3390,7 @@
           <a:p>
             <a:fld id="{6C792A13-F6F3-43BC-853F-11696B7B252D}" type="datetimeFigureOut">
               <a:rPr lang="en-US" smtClean="0"/>
-              <a:t>7/12/2022</a:t>
+              <a:t>8/25/2022</a:t>
             </a:fld>
             <a:endParaRPr lang="en-US"/>
           </a:p>
@@ -3631,7 +3631,7 @@
           <a:p>
             <a:fld id="{6C792A13-F6F3-43BC-853F-11696B7B252D}" type="datetimeFigureOut">
               <a:rPr lang="en-US" smtClean="0"/>
-              <a:t>7/12/2022</a:t>
+              <a:t>8/25/2022</a:t>
             </a:fld>
             <a:endParaRPr lang="en-US"/>
           </a:p>
@@ -4113,7 +4113,17 @@
           <a:p>
             <a:r>
               <a:rPr lang="en-US" dirty="0"/>
-              <a:t>June 27 2022</a:t>
+              <a:t>Brett Gu</a:t>
+            </a:r>
+          </a:p>
+          <a:p>
+            <a:r>
+              <a:rPr lang="en-US"/>
+              <a:t>Aug 25 </a:t>
+            </a:r>
+            <a:r>
+              <a:rPr lang="en-US" dirty="0"/>
+              <a:t>2022</a:t>
             </a:r>
           </a:p>
         </p:txBody>
